--- a/Final/apresentacao tcc.pptx
+++ b/Final/apresentacao tcc.pptx
@@ -6,32 +6,31 @@
     <p:sldMasterId id="2147483672" r:id="rId2"/>
   </p:sldMasterIdLst>
   <p:notesMasterIdLst>
-    <p:notesMasterId r:id="rId26"/>
+    <p:notesMasterId r:id="rId25"/>
   </p:notesMasterIdLst>
   <p:sldIdLst>
     <p:sldId id="256" r:id="rId3"/>
     <p:sldId id="257" r:id="rId4"/>
-    <p:sldId id="278" r:id="rId5"/>
-    <p:sldId id="258" r:id="rId6"/>
-    <p:sldId id="260" r:id="rId7"/>
-    <p:sldId id="280" r:id="rId8"/>
-    <p:sldId id="259" r:id="rId9"/>
-    <p:sldId id="266" r:id="rId10"/>
-    <p:sldId id="267" r:id="rId11"/>
-    <p:sldId id="262" r:id="rId12"/>
-    <p:sldId id="270" r:id="rId13"/>
-    <p:sldId id="277" r:id="rId14"/>
-    <p:sldId id="263" r:id="rId15"/>
-    <p:sldId id="268" r:id="rId16"/>
-    <p:sldId id="269" r:id="rId17"/>
-    <p:sldId id="264" r:id="rId18"/>
-    <p:sldId id="271" r:id="rId19"/>
-    <p:sldId id="272" r:id="rId20"/>
-    <p:sldId id="279" r:id="rId21"/>
-    <p:sldId id="273" r:id="rId22"/>
-    <p:sldId id="274" r:id="rId23"/>
-    <p:sldId id="275" r:id="rId24"/>
-    <p:sldId id="276" r:id="rId25"/>
+    <p:sldId id="258" r:id="rId5"/>
+    <p:sldId id="260" r:id="rId6"/>
+    <p:sldId id="280" r:id="rId7"/>
+    <p:sldId id="259" r:id="rId8"/>
+    <p:sldId id="266" r:id="rId9"/>
+    <p:sldId id="267" r:id="rId10"/>
+    <p:sldId id="262" r:id="rId11"/>
+    <p:sldId id="270" r:id="rId12"/>
+    <p:sldId id="277" r:id="rId13"/>
+    <p:sldId id="263" r:id="rId14"/>
+    <p:sldId id="268" r:id="rId15"/>
+    <p:sldId id="269" r:id="rId16"/>
+    <p:sldId id="264" r:id="rId17"/>
+    <p:sldId id="271" r:id="rId18"/>
+    <p:sldId id="272" r:id="rId19"/>
+    <p:sldId id="279" r:id="rId20"/>
+    <p:sldId id="273" r:id="rId21"/>
+    <p:sldId id="274" r:id="rId22"/>
+    <p:sldId id="275" r:id="rId23"/>
+    <p:sldId id="276" r:id="rId24"/>
   </p:sldIdLst>
   <p:sldSz cx="9144000" cy="6858000" type="screen4x3"/>
   <p:notesSz cx="6858000" cy="9144000"/>
@@ -216,7 +215,7 @@
             <a:fld id="{2F3EB17E-BC53-FC49-AF5F-F9A8A64D0B14}" type="datetimeFigureOut">
               <a:rPr lang="en-US" smtClean="0"/>
               <a:pPr/>
-              <a:t>12/3/11</a:t>
+              <a:t>12/4/11</a:t>
             </a:fld>
             <a:endParaRPr lang="pt-BR"/>
           </a:p>
@@ -646,7 +645,50 @@
           <a:bodyPr/>
           <a:lstStyle/>
           <a:p>
-            <a:endParaRPr lang="pt-BR" dirty="0"/>
+            <a:r>
+              <a:rPr lang="pt-BR" dirty="0" smtClean="0"/>
+              <a:t>Foi criado com objetivo de reduzir</a:t>
+            </a:r>
+            <a:r>
+              <a:rPr lang="pt-BR" baseline="0" dirty="0" smtClean="0"/>
+              <a:t> os custos de </a:t>
+            </a:r>
+            <a:r>
+              <a:rPr lang="pt-BR" baseline="0" dirty="0" err="1" smtClean="0"/>
+              <a:t>producao</a:t>
+            </a:r>
+            <a:r>
+              <a:rPr lang="pt-BR" baseline="0" dirty="0" smtClean="0"/>
+              <a:t> </a:t>
+            </a:r>
+          </a:p>
+          <a:p>
+            <a:r>
+              <a:rPr lang="pt-BR" baseline="0" dirty="0" smtClean="0"/>
+              <a:t>	reduzir o </a:t>
+            </a:r>
+            <a:r>
+              <a:rPr lang="pt-BR" baseline="0" dirty="0" err="1" smtClean="0"/>
+              <a:t>preco</a:t>
+            </a:r>
+            <a:r>
+              <a:rPr lang="pt-BR" baseline="0" dirty="0" smtClean="0"/>
+              <a:t> do produto final</a:t>
+            </a:r>
+          </a:p>
+          <a:p>
+            <a:r>
+              <a:rPr lang="pt-BR" baseline="0" dirty="0" smtClean="0"/>
+              <a:t>		finalmente aumentar a </a:t>
+            </a:r>
+            <a:r>
+              <a:rPr lang="pt-BR" baseline="0" dirty="0" err="1" smtClean="0"/>
+              <a:t>participacao</a:t>
+            </a:r>
+            <a:r>
+              <a:rPr lang="pt-BR" baseline="0" dirty="0" smtClean="0"/>
+              <a:t> de mercado.</a:t>
+            </a:r>
           </a:p>
         </p:txBody>
       </p:sp>
@@ -677,7 +719,7 @@
     </p:spTree>
     <p:extLst>
       <p:ext uri="{BB962C8B-B14F-4D97-AF65-F5344CB8AC3E}">
-        <p14:creationId xmlns:p14="http://schemas.microsoft.com/office/powerpoint/2010/main" val="608157325"/>
+        <p14:creationId xmlns:p14="http://schemas.microsoft.com/office/powerpoint/2010/main" val="1059541852"/>
       </p:ext>
     </p:extLst>
   </p:cSld>
@@ -732,16 +774,12 @@
           <a:lstStyle/>
           <a:p>
             <a:r>
+              <a:rPr lang="pt-BR" dirty="0" err="1" smtClean="0"/>
+              <a:t>Desperdicio</a:t>
+            </a:r>
+            <a:r>
               <a:rPr lang="pt-BR" dirty="0" smtClean="0"/>
-              <a:t>Foi criado com objetivo de reduzir</a:t>
-            </a:r>
-            <a:r>
-              <a:rPr lang="pt-BR" baseline="0" dirty="0" smtClean="0"/>
-              <a:t> os custos de </a:t>
-            </a:r>
-            <a:r>
-              <a:rPr lang="pt-BR" baseline="0" dirty="0" err="1" smtClean="0"/>
-              <a:t>producao</a:t>
+              <a:t>:</a:t>
             </a:r>
             <a:r>
               <a:rPr lang="pt-BR" baseline="0" dirty="0" smtClean="0"/>
@@ -751,30 +789,128 @@
           <a:p>
             <a:r>
               <a:rPr lang="pt-BR" baseline="0" dirty="0" smtClean="0"/>
-              <a:t>	reduzir o </a:t>
-            </a:r>
-            <a:r>
-              <a:rPr lang="pt-BR" baseline="0" dirty="0" err="1" smtClean="0"/>
-              <a:t>preco</a:t>
+              <a:t>	</a:t>
+            </a:r>
+            <a:r>
+              <a:rPr lang="pt-BR" dirty="0" smtClean="0"/>
+              <a:t>Planejamento excessivo</a:t>
+            </a:r>
+          </a:p>
+          <a:p>
+            <a:r>
+              <a:rPr lang="pt-BR" dirty="0" smtClean="0"/>
+              <a:t>	Troca de tarefas</a:t>
+            </a:r>
+          </a:p>
+          <a:p>
+            <a:r>
+              <a:rPr lang="pt-BR" dirty="0" smtClean="0"/>
+              <a:t>	Numero elevado de defeitos</a:t>
+            </a:r>
+          </a:p>
+          <a:p>
+            <a:r>
+              <a:rPr lang="pt-BR" dirty="0" smtClean="0"/>
+              <a:t>Aprendizado</a:t>
+            </a:r>
+          </a:p>
+          <a:p>
+            <a:r>
+              <a:rPr lang="pt-BR" dirty="0" smtClean="0"/>
+              <a:t>	Divulgar problemas e </a:t>
+            </a:r>
+            <a:r>
+              <a:rPr lang="pt-BR" dirty="0" err="1" smtClean="0"/>
+              <a:t>solucoes</a:t>
+            </a:r>
+            <a:endParaRPr lang="pt-BR" dirty="0" smtClean="0"/>
+          </a:p>
+          <a:p>
+            <a:r>
+              <a:rPr lang="pt-BR" dirty="0" smtClean="0"/>
+              <a:t>Entregue </a:t>
+            </a:r>
+            <a:r>
+              <a:rPr lang="pt-BR" dirty="0" err="1" smtClean="0"/>
+              <a:t>rapido</a:t>
+            </a:r>
+            <a:r>
+              <a:rPr lang="pt-BR" dirty="0" smtClean="0"/>
+              <a:t>:</a:t>
+            </a:r>
+          </a:p>
+          <a:p>
+            <a:r>
+              <a:rPr lang="pt-BR" dirty="0" smtClean="0"/>
+              <a:t>	Entregas incrementais</a:t>
+            </a:r>
+          </a:p>
+          <a:p>
+            <a:r>
+              <a:rPr lang="pt-BR" dirty="0" smtClean="0"/>
+              <a:t>	Aumentar a </a:t>
+            </a:r>
+            <a:r>
+              <a:rPr lang="pt-BR" dirty="0" err="1" smtClean="0"/>
+              <a:t>frequencia</a:t>
+            </a:r>
+            <a:r>
+              <a:rPr lang="pt-BR" dirty="0" smtClean="0"/>
+              <a:t> de </a:t>
+            </a:r>
+            <a:r>
+              <a:rPr lang="pt-BR" dirty="0" err="1" smtClean="0"/>
+              <a:t>avaliacao</a:t>
+            </a:r>
+            <a:r>
+              <a:rPr lang="pt-BR" dirty="0" smtClean="0"/>
+              <a:t> do cliente</a:t>
+            </a:r>
+          </a:p>
+          <a:p>
+            <a:r>
+              <a:rPr lang="pt-BR" dirty="0" smtClean="0"/>
+              <a:t>Valorize a equipe:</a:t>
+            </a:r>
+          </a:p>
+          <a:p>
+            <a:r>
+              <a:rPr lang="pt-BR" dirty="0" smtClean="0"/>
+              <a:t>	Procurar</a:t>
             </a:r>
             <a:r>
               <a:rPr lang="pt-BR" baseline="0" dirty="0" smtClean="0"/>
-              <a:t> do produto final</a:t>
-            </a:r>
-          </a:p>
-          <a:p>
+              <a:t> maneiras para motivar as pessoas da equipe</a:t>
+            </a:r>
+          </a:p>
+          <a:p>
+            <a:r>
+              <a:rPr lang="pt-BR" dirty="0" err="1" smtClean="0"/>
+              <a:t>Seguranca</a:t>
+            </a:r>
+            <a:r>
+              <a:rPr lang="pt-BR" dirty="0" smtClean="0"/>
+              <a:t>:</a:t>
+            </a:r>
+          </a:p>
+          <a:p>
+            <a:r>
+              <a:rPr lang="pt-BR" dirty="0" smtClean="0"/>
+              <a:t>	Adicione processos automatizados para aumentar a </a:t>
+            </a:r>
+            <a:r>
+              <a:rPr lang="pt-BR" dirty="0" err="1" smtClean="0"/>
+              <a:t>confianca</a:t>
+            </a:r>
+            <a:r>
+              <a:rPr lang="pt-BR" dirty="0" smtClean="0"/>
+              <a:t> de</a:t>
+            </a:r>
             <a:r>
               <a:rPr lang="pt-BR" baseline="0" dirty="0" smtClean="0"/>
-              <a:t>		finalmente aumentar a </a:t>
-            </a:r>
-            <a:r>
-              <a:rPr lang="pt-BR" baseline="0" dirty="0" err="1" smtClean="0"/>
-              <a:t>participacao</a:t>
-            </a:r>
-            <a:r>
-              <a:rPr lang="pt-BR" baseline="0" dirty="0" smtClean="0"/>
-              <a:t> de mercado.</a:t>
-            </a:r>
+              <a:t> que o resultado esta correto</a:t>
+            </a:r>
+            <a:endParaRPr lang="pt-BR" dirty="0"/>
           </a:p>
         </p:txBody>
       </p:sp>
@@ -805,7 +941,7 @@
     </p:spTree>
     <p:extLst>
       <p:ext uri="{BB962C8B-B14F-4D97-AF65-F5344CB8AC3E}">
-        <p14:creationId xmlns:p14="http://schemas.microsoft.com/office/powerpoint/2010/main" val="1059541852"/>
+        <p14:creationId xmlns:p14="http://schemas.microsoft.com/office/powerpoint/2010/main" val="3246157754"/>
       </p:ext>
     </p:extLst>
   </p:cSld>
@@ -860,141 +996,12 @@
           <a:lstStyle/>
           <a:p>
             <a:r>
+              <a:rPr lang="pt-BR" dirty="0" smtClean="0"/>
+              <a:t>Estão alinhadas com os princípios do pensamento </a:t>
+            </a:r>
+            <a:r>
               <a:rPr lang="pt-BR" dirty="0" err="1" smtClean="0"/>
-              <a:t>Desperdicio</a:t>
-            </a:r>
-            <a:r>
-              <a:rPr lang="pt-BR" dirty="0" smtClean="0"/>
-              <a:t>:</a:t>
-            </a:r>
-            <a:r>
-              <a:rPr lang="pt-BR" baseline="0" dirty="0" smtClean="0"/>
-              <a:t> </a:t>
-            </a:r>
-          </a:p>
-          <a:p>
-            <a:r>
-              <a:rPr lang="pt-BR" baseline="0" dirty="0" smtClean="0"/>
-              <a:t>	</a:t>
-            </a:r>
-            <a:r>
-              <a:rPr lang="pt-BR" dirty="0" smtClean="0"/>
-              <a:t>Planejamento excessivo</a:t>
-            </a:r>
-          </a:p>
-          <a:p>
-            <a:r>
-              <a:rPr lang="pt-BR" dirty="0" smtClean="0"/>
-              <a:t>	Troca de tarefas</a:t>
-            </a:r>
-          </a:p>
-          <a:p>
-            <a:r>
-              <a:rPr lang="pt-BR" dirty="0" smtClean="0"/>
-              <a:t>	Numero elevado de defeitos</a:t>
-            </a:r>
-          </a:p>
-          <a:p>
-            <a:r>
-              <a:rPr lang="pt-BR" dirty="0" smtClean="0"/>
-              <a:t>Aprendizado</a:t>
-            </a:r>
-          </a:p>
-          <a:p>
-            <a:r>
-              <a:rPr lang="pt-BR" dirty="0" smtClean="0"/>
-              <a:t>	Divulgar problemas e </a:t>
-            </a:r>
-            <a:r>
-              <a:rPr lang="pt-BR" dirty="0" err="1" smtClean="0"/>
-              <a:t>solucoes</a:t>
-            </a:r>
-            <a:endParaRPr lang="pt-BR" dirty="0" smtClean="0"/>
-          </a:p>
-          <a:p>
-            <a:r>
-              <a:rPr lang="pt-BR" dirty="0" smtClean="0"/>
-              <a:t>Entregue </a:t>
-            </a:r>
-            <a:r>
-              <a:rPr lang="pt-BR" dirty="0" err="1" smtClean="0"/>
-              <a:t>rapido</a:t>
-            </a:r>
-            <a:r>
-              <a:rPr lang="pt-BR" dirty="0" smtClean="0"/>
-              <a:t>:</a:t>
-            </a:r>
-          </a:p>
-          <a:p>
-            <a:r>
-              <a:rPr lang="pt-BR" dirty="0" smtClean="0"/>
-              <a:t>	Entregas incrementais</a:t>
-            </a:r>
-          </a:p>
-          <a:p>
-            <a:r>
-              <a:rPr lang="pt-BR" dirty="0" smtClean="0"/>
-              <a:t>	Aumentar a </a:t>
-            </a:r>
-            <a:r>
-              <a:rPr lang="pt-BR" dirty="0" err="1" smtClean="0"/>
-              <a:t>frequencia</a:t>
-            </a:r>
-            <a:r>
-              <a:rPr lang="pt-BR" dirty="0" smtClean="0"/>
-              <a:t> de </a:t>
-            </a:r>
-            <a:r>
-              <a:rPr lang="pt-BR" dirty="0" err="1" smtClean="0"/>
-              <a:t>avaliacao</a:t>
-            </a:r>
-            <a:r>
-              <a:rPr lang="pt-BR" dirty="0" smtClean="0"/>
-              <a:t> do cliente</a:t>
-            </a:r>
-          </a:p>
-          <a:p>
-            <a:r>
-              <a:rPr lang="pt-BR" dirty="0" smtClean="0"/>
-              <a:t>Valorize a equipe:</a:t>
-            </a:r>
-          </a:p>
-          <a:p>
-            <a:r>
-              <a:rPr lang="pt-BR" dirty="0" smtClean="0"/>
-              <a:t>	Procurar</a:t>
-            </a:r>
-            <a:r>
-              <a:rPr lang="pt-BR" baseline="0" dirty="0" smtClean="0"/>
-              <a:t> maneiras para motivar as pessoas da equipe</a:t>
-            </a:r>
-          </a:p>
-          <a:p>
-            <a:r>
-              <a:rPr lang="pt-BR" dirty="0" err="1" smtClean="0"/>
-              <a:t>Seguranca</a:t>
-            </a:r>
-            <a:r>
-              <a:rPr lang="pt-BR" dirty="0" smtClean="0"/>
-              <a:t>:</a:t>
-            </a:r>
-          </a:p>
-          <a:p>
-            <a:r>
-              <a:rPr lang="pt-BR" dirty="0" smtClean="0"/>
-              <a:t>	Adicione processos automatizados para aumentar a </a:t>
-            </a:r>
-            <a:r>
-              <a:rPr lang="pt-BR" dirty="0" err="1" smtClean="0"/>
-              <a:t>confianca</a:t>
-            </a:r>
-            <a:r>
-              <a:rPr lang="pt-BR" dirty="0" smtClean="0"/>
-              <a:t> de</a:t>
-            </a:r>
-            <a:r>
-              <a:rPr lang="pt-BR" baseline="0" dirty="0" smtClean="0"/>
-              <a:t> que o resultado esta correto</a:t>
+              <a:t>Lean</a:t>
             </a:r>
             <a:endParaRPr lang="pt-BR" dirty="0"/>
           </a:p>
@@ -1018,7 +1025,7 @@
             <a:fld id="{49F26A75-D0AF-EC4A-A545-98C8CC12AA9B}" type="slidenum">
               <a:rPr lang="pt-BR" smtClean="0"/>
               <a:pPr/>
-              <a:t>5</a:t>
+              <a:t>6</a:t>
             </a:fld>
             <a:endParaRPr lang="pt-BR"/>
           </a:p>
@@ -1027,7 +1034,7 @@
     </p:spTree>
     <p:extLst>
       <p:ext uri="{BB962C8B-B14F-4D97-AF65-F5344CB8AC3E}">
-        <p14:creationId xmlns:p14="http://schemas.microsoft.com/office/powerpoint/2010/main" val="3246157754"/>
+        <p14:creationId xmlns:p14="http://schemas.microsoft.com/office/powerpoint/2010/main" val="2847188799"/>
       </p:ext>
     </p:extLst>
   </p:cSld>
@@ -1083,11 +1090,49 @@
           <a:p>
             <a:r>
               <a:rPr lang="pt-BR" dirty="0" smtClean="0"/>
-              <a:t>Estão alinhadas com os princípios do pensamento </a:t>
-            </a:r>
-            <a:r>
-              <a:rPr lang="pt-BR" dirty="0" err="1" smtClean="0"/>
-              <a:t>Lean</a:t>
+              <a:t>Devido a demanda do mercado de desenvolvimento de software</a:t>
+            </a:r>
+            <a:r>
+              <a:rPr lang="pt-BR" baseline="0" dirty="0" smtClean="0"/>
+              <a:t> por qualidade os testes </a:t>
+            </a:r>
+            <a:r>
+              <a:rPr lang="pt-BR" baseline="0" dirty="0" err="1" smtClean="0"/>
+              <a:t>estao</a:t>
+            </a:r>
+            <a:r>
+              <a:rPr lang="pt-BR" baseline="0" dirty="0" smtClean="0"/>
+              <a:t> sendo cada vez mais empregados no dia a dia.</a:t>
+            </a:r>
+          </a:p>
+          <a:p>
+            <a:r>
+              <a:rPr lang="pt-BR" baseline="0" dirty="0" smtClean="0"/>
+              <a:t>Com o desenvolvimento baseado em testes conseguimos um aumento na cobertura do </a:t>
+            </a:r>
+            <a:r>
+              <a:rPr lang="pt-BR" baseline="0" dirty="0" err="1" smtClean="0"/>
+              <a:t>codigo</a:t>
+            </a:r>
+            <a:r>
+              <a:rPr lang="pt-BR" baseline="0" dirty="0" smtClean="0"/>
+              <a:t>, o que resulta na </a:t>
+            </a:r>
+            <a:r>
+              <a:rPr lang="pt-BR" baseline="0" dirty="0" err="1" smtClean="0"/>
+              <a:t>reducao</a:t>
+            </a:r>
+            <a:r>
+              <a:rPr lang="pt-BR" baseline="0" dirty="0" smtClean="0"/>
+              <a:t> de defeitos no sistema e assim a qualidade do sistema aumenta e finalmente os custos </a:t>
+            </a:r>
+            <a:r>
+              <a:rPr lang="pt-BR" baseline="0" dirty="0" err="1" smtClean="0"/>
+              <a:t>sao</a:t>
+            </a:r>
+            <a:r>
+              <a:rPr lang="pt-BR" baseline="0" smtClean="0"/>
+              <a:t> reduzidos</a:t>
             </a:r>
             <a:endParaRPr lang="pt-BR" dirty="0"/>
           </a:p>
@@ -1111,138 +1156,7 @@
             <a:fld id="{49F26A75-D0AF-EC4A-A545-98C8CC12AA9B}" type="slidenum">
               <a:rPr lang="pt-BR" smtClean="0"/>
               <a:pPr/>
-              <a:t>7</a:t>
-            </a:fld>
-            <a:endParaRPr lang="pt-BR"/>
-          </a:p>
-        </p:txBody>
-      </p:sp>
-    </p:spTree>
-    <p:extLst>
-      <p:ext uri="{BB962C8B-B14F-4D97-AF65-F5344CB8AC3E}">
-        <p14:creationId xmlns:p14="http://schemas.microsoft.com/office/powerpoint/2010/main" val="2847188799"/>
-      </p:ext>
-    </p:extLst>
-  </p:cSld>
-  <p:clrMapOvr>
-    <a:masterClrMapping/>
-  </p:clrMapOvr>
-</p:notes>
-</file>
-
-<file path=ppt/notesSlides/notesSlide6.xml><?xml version="1.0" encoding="utf-8"?>
-<p:notes xmlns:a="http://schemas.openxmlformats.org/drawingml/2006/main" xmlns:r="http://schemas.openxmlformats.org/officeDocument/2006/relationships" xmlns:p="http://schemas.openxmlformats.org/presentationml/2006/main">
-  <p:cSld>
-    <p:spTree>
-      <p:nvGrpSpPr>
-        <p:cNvPr id="1" name=""/>
-        <p:cNvGrpSpPr/>
-        <p:nvPr/>
-      </p:nvGrpSpPr>
-      <p:grpSpPr>
-        <a:xfrm>
-          <a:off x="0" y="0"/>
-          <a:ext cx="0" cy="0"/>
-          <a:chOff x="0" y="0"/>
-          <a:chExt cx="0" cy="0"/>
-        </a:xfrm>
-      </p:grpSpPr>
-      <p:sp>
-        <p:nvSpPr>
-          <p:cNvPr id="2" name="Slide Image Placeholder 1"/>
-          <p:cNvSpPr>
-            <a:spLocks noGrp="1" noRot="1" noChangeAspect="1"/>
-          </p:cNvSpPr>
-          <p:nvPr>
-            <p:ph type="sldImg"/>
-          </p:nvPr>
-        </p:nvSpPr>
-        <p:spPr/>
-      </p:sp>
-      <p:sp>
-        <p:nvSpPr>
-          <p:cNvPr id="3" name="Notes Placeholder 2"/>
-          <p:cNvSpPr>
-            <a:spLocks noGrp="1"/>
-          </p:cNvSpPr>
-          <p:nvPr>
-            <p:ph type="body" idx="1"/>
-          </p:nvPr>
-        </p:nvSpPr>
-        <p:spPr/>
-        <p:txBody>
-          <a:bodyPr/>
-          <a:lstStyle/>
-          <a:p>
-            <a:r>
-              <a:rPr lang="pt-BR" dirty="0" smtClean="0"/>
-              <a:t>Devido a demanda do mercado de desenvolvimento de software</a:t>
-            </a:r>
-            <a:r>
-              <a:rPr lang="pt-BR" baseline="0" dirty="0" smtClean="0"/>
-              <a:t> por qualidade os testes </a:t>
-            </a:r>
-            <a:r>
-              <a:rPr lang="pt-BR" baseline="0" dirty="0" err="1" smtClean="0"/>
-              <a:t>estao</a:t>
-            </a:r>
-            <a:r>
-              <a:rPr lang="pt-BR" baseline="0" dirty="0" smtClean="0"/>
-              <a:t> sendo cada vez mais empregados no dia a dia.</a:t>
-            </a:r>
-          </a:p>
-          <a:p>
-            <a:r>
-              <a:rPr lang="pt-BR" baseline="0" dirty="0" smtClean="0"/>
-              <a:t>Com o desenvolvimento baseado em testes conseguimos um aumento na cobertura do </a:t>
-            </a:r>
-            <a:r>
-              <a:rPr lang="pt-BR" baseline="0" dirty="0" err="1" smtClean="0"/>
-              <a:t>codigo</a:t>
-            </a:r>
-            <a:r>
-              <a:rPr lang="pt-BR" baseline="0" dirty="0" smtClean="0"/>
-              <a:t>, o que resulta na </a:t>
-            </a:r>
-            <a:r>
-              <a:rPr lang="pt-BR" baseline="0" dirty="0" err="1" smtClean="0"/>
-              <a:t>reducao</a:t>
-            </a:r>
-            <a:r>
-              <a:rPr lang="pt-BR" baseline="0" dirty="0" smtClean="0"/>
-              <a:t> de defeitos no sistema e assim a qualidade do sistema aumenta e finalmente os custos </a:t>
-            </a:r>
-            <a:r>
-              <a:rPr lang="pt-BR" baseline="0" dirty="0" err="1" smtClean="0"/>
-              <a:t>sao</a:t>
-            </a:r>
-            <a:r>
-              <a:rPr lang="pt-BR" baseline="0" smtClean="0"/>
-              <a:t> reduzidos</a:t>
-            </a:r>
-            <a:endParaRPr lang="pt-BR" dirty="0"/>
-          </a:p>
-        </p:txBody>
-      </p:sp>
-      <p:sp>
-        <p:nvSpPr>
-          <p:cNvPr id="4" name="Slide Number Placeholder 3"/>
-          <p:cNvSpPr>
-            <a:spLocks noGrp="1"/>
-          </p:cNvSpPr>
-          <p:nvPr>
-            <p:ph type="sldNum" sz="quarter" idx="10"/>
-          </p:nvPr>
-        </p:nvSpPr>
-        <p:spPr/>
-        <p:txBody>
-          <a:bodyPr/>
-          <a:lstStyle/>
-          <a:p>
-            <a:fld id="{49F26A75-D0AF-EC4A-A545-98C8CC12AA9B}" type="slidenum">
-              <a:rPr lang="pt-BR" smtClean="0"/>
-              <a:pPr/>
-              <a:t>23</a:t>
+              <a:t>22</a:t>
             </a:fld>
             <a:endParaRPr lang="pt-BR"/>
           </a:p>
@@ -1485,7 +1399,7 @@
             <a:fld id="{13F8C747-ED51-444E-8469-A24B0E223A0E}" type="datetimeFigureOut">
               <a:rPr lang="en-US" smtClean="0"/>
               <a:pPr/>
-              <a:t>12/3/11</a:t>
+              <a:t>12/4/11</a:t>
             </a:fld>
             <a:endParaRPr lang="pt-BR"/>
           </a:p>
@@ -1664,7 +1578,7 @@
             <a:fld id="{13F8C747-ED51-444E-8469-A24B0E223A0E}" type="datetimeFigureOut">
               <a:rPr lang="en-US" smtClean="0"/>
               <a:pPr/>
-              <a:t>12/3/11</a:t>
+              <a:t>12/4/11</a:t>
             </a:fld>
             <a:endParaRPr lang="pt-BR"/>
           </a:p>
@@ -1853,7 +1767,7 @@
             <a:fld id="{13F8C747-ED51-444E-8469-A24B0E223A0E}" type="datetimeFigureOut">
               <a:rPr lang="en-US" smtClean="0"/>
               <a:pPr/>
-              <a:t>12/3/11</a:t>
+              <a:t>12/4/11</a:t>
             </a:fld>
             <a:endParaRPr lang="pt-BR"/>
           </a:p>
@@ -2142,7 +2056,7 @@
             <a:fld id="{13F8C747-ED51-444E-8469-A24B0E223A0E}" type="datetimeFigureOut">
               <a:rPr lang="en-US" smtClean="0"/>
               <a:pPr/>
-              <a:t>12/3/11</a:t>
+              <a:t>12/4/11</a:t>
             </a:fld>
             <a:endParaRPr lang="pt-BR"/>
           </a:p>
@@ -2321,7 +2235,7 @@
             <a:fld id="{13F8C747-ED51-444E-8469-A24B0E223A0E}" type="datetimeFigureOut">
               <a:rPr lang="en-US" smtClean="0"/>
               <a:pPr/>
-              <a:t>12/3/11</a:t>
+              <a:t>12/4/11</a:t>
             </a:fld>
             <a:endParaRPr lang="pt-BR"/>
           </a:p>
@@ -2576,7 +2490,7 @@
             <a:fld id="{13F8C747-ED51-444E-8469-A24B0E223A0E}" type="datetimeFigureOut">
               <a:rPr lang="en-US" smtClean="0"/>
               <a:pPr/>
-              <a:t>12/3/11</a:t>
+              <a:t>12/4/11</a:t>
             </a:fld>
             <a:endParaRPr lang="pt-BR"/>
           </a:p>
@@ -2873,7 +2787,7 @@
             <a:fld id="{13F8C747-ED51-444E-8469-A24B0E223A0E}" type="datetimeFigureOut">
               <a:rPr lang="en-US" smtClean="0"/>
               <a:pPr/>
-              <a:t>12/3/11</a:t>
+              <a:t>12/4/11</a:t>
             </a:fld>
             <a:endParaRPr lang="pt-BR"/>
           </a:p>
@@ -3304,7 +3218,7 @@
             <a:fld id="{13F8C747-ED51-444E-8469-A24B0E223A0E}" type="datetimeFigureOut">
               <a:rPr lang="en-US" smtClean="0"/>
               <a:pPr/>
-              <a:t>12/3/11</a:t>
+              <a:t>12/4/11</a:t>
             </a:fld>
             <a:endParaRPr lang="pt-BR"/>
           </a:p>
@@ -3431,7 +3345,7 @@
             <a:fld id="{13F8C747-ED51-444E-8469-A24B0E223A0E}" type="datetimeFigureOut">
               <a:rPr lang="en-US" smtClean="0"/>
               <a:pPr/>
-              <a:t>12/3/11</a:t>
+              <a:t>12/4/11</a:t>
             </a:fld>
             <a:endParaRPr lang="pt-BR"/>
           </a:p>
@@ -3535,7 +3449,7 @@
             <a:fld id="{13F8C747-ED51-444E-8469-A24B0E223A0E}" type="datetimeFigureOut">
               <a:rPr lang="en-US" smtClean="0"/>
               <a:pPr/>
-              <a:t>12/3/11</a:t>
+              <a:t>12/4/11</a:t>
             </a:fld>
             <a:endParaRPr lang="pt-BR"/>
           </a:p>
@@ -3821,7 +3735,7 @@
             <a:fld id="{13F8C747-ED51-444E-8469-A24B0E223A0E}" type="datetimeFigureOut">
               <a:rPr lang="en-US" smtClean="0"/>
               <a:pPr/>
-              <a:t>12/3/11</a:t>
+              <a:t>12/4/11</a:t>
             </a:fld>
             <a:endParaRPr lang="pt-BR"/>
           </a:p>
@@ -4000,7 +3914,7 @@
             <a:fld id="{13F8C747-ED51-444E-8469-A24B0E223A0E}" type="datetimeFigureOut">
               <a:rPr lang="en-US" smtClean="0"/>
               <a:pPr/>
-              <a:t>12/3/11</a:t>
+              <a:t>12/4/11</a:t>
             </a:fld>
             <a:endParaRPr lang="pt-BR"/>
           </a:p>
@@ -4268,7 +4182,7 @@
             <a:fld id="{13F8C747-ED51-444E-8469-A24B0E223A0E}" type="datetimeFigureOut">
               <a:rPr lang="en-US" smtClean="0"/>
               <a:pPr/>
-              <a:t>12/3/11</a:t>
+              <a:t>12/4/11</a:t>
             </a:fld>
             <a:endParaRPr lang="pt-BR"/>
           </a:p>
@@ -4447,7 +4361,7 @@
             <a:fld id="{13F8C747-ED51-444E-8469-A24B0E223A0E}" type="datetimeFigureOut">
               <a:rPr lang="en-US" smtClean="0"/>
               <a:pPr/>
-              <a:t>12/3/11</a:t>
+              <a:t>12/4/11</a:t>
             </a:fld>
             <a:endParaRPr lang="pt-BR"/>
           </a:p>
@@ -4636,7 +4550,7 @@
             <a:fld id="{13F8C747-ED51-444E-8469-A24B0E223A0E}" type="datetimeFigureOut">
               <a:rPr lang="en-US" smtClean="0"/>
               <a:pPr/>
-              <a:t>12/3/11</a:t>
+              <a:t>12/4/11</a:t>
             </a:fld>
             <a:endParaRPr lang="pt-BR"/>
           </a:p>
@@ -4891,7 +4805,7 @@
             <a:fld id="{13F8C747-ED51-444E-8469-A24B0E223A0E}" type="datetimeFigureOut">
               <a:rPr lang="en-US" smtClean="0"/>
               <a:pPr/>
-              <a:t>12/3/11</a:t>
+              <a:t>12/4/11</a:t>
             </a:fld>
             <a:endParaRPr lang="pt-BR"/>
           </a:p>
@@ -5188,7 +5102,7 @@
             <a:fld id="{13F8C747-ED51-444E-8469-A24B0E223A0E}" type="datetimeFigureOut">
               <a:rPr lang="en-US" smtClean="0"/>
               <a:pPr/>
-              <a:t>12/3/11</a:t>
+              <a:t>12/4/11</a:t>
             </a:fld>
             <a:endParaRPr lang="pt-BR"/>
           </a:p>
@@ -5619,7 +5533,7 @@
             <a:fld id="{13F8C747-ED51-444E-8469-A24B0E223A0E}" type="datetimeFigureOut">
               <a:rPr lang="en-US" smtClean="0"/>
               <a:pPr/>
-              <a:t>12/3/11</a:t>
+              <a:t>12/4/11</a:t>
             </a:fld>
             <a:endParaRPr lang="pt-BR"/>
           </a:p>
@@ -5746,7 +5660,7 @@
             <a:fld id="{13F8C747-ED51-444E-8469-A24B0E223A0E}" type="datetimeFigureOut">
               <a:rPr lang="en-US" smtClean="0"/>
               <a:pPr/>
-              <a:t>12/3/11</a:t>
+              <a:t>12/4/11</a:t>
             </a:fld>
             <a:endParaRPr lang="pt-BR"/>
           </a:p>
@@ -5850,7 +5764,7 @@
             <a:fld id="{13F8C747-ED51-444E-8469-A24B0E223A0E}" type="datetimeFigureOut">
               <a:rPr lang="en-US" smtClean="0"/>
               <a:pPr/>
-              <a:t>12/3/11</a:t>
+              <a:t>12/4/11</a:t>
             </a:fld>
             <a:endParaRPr lang="pt-BR"/>
           </a:p>
@@ -6136,7 +6050,7 @@
             <a:fld id="{13F8C747-ED51-444E-8469-A24B0E223A0E}" type="datetimeFigureOut">
               <a:rPr lang="en-US" smtClean="0"/>
               <a:pPr/>
-              <a:t>12/3/11</a:t>
+              <a:t>12/4/11</a:t>
             </a:fld>
             <a:endParaRPr lang="pt-BR"/>
           </a:p>
@@ -6404,7 +6318,7 @@
             <a:fld id="{13F8C747-ED51-444E-8469-A24B0E223A0E}" type="datetimeFigureOut">
               <a:rPr lang="en-US" smtClean="0"/>
               <a:pPr/>
-              <a:t>12/3/11</a:t>
+              <a:t>12/4/11</a:t>
             </a:fld>
             <a:endParaRPr lang="pt-BR"/>
           </a:p>
@@ -6678,7 +6592,7 @@
             <a:fld id="{13F8C747-ED51-444E-8469-A24B0E223A0E}" type="datetimeFigureOut">
               <a:rPr lang="en-US" smtClean="0"/>
               <a:pPr/>
-              <a:t>12/3/11</a:t>
+              <a:t>12/4/11</a:t>
             </a:fld>
             <a:endParaRPr lang="pt-BR"/>
           </a:p>
@@ -7384,7 +7298,7 @@
             <a:fld id="{13F8C747-ED51-444E-8469-A24B0E223A0E}" type="datetimeFigureOut">
               <a:rPr lang="en-US" smtClean="0"/>
               <a:pPr/>
-              <a:t>12/3/11</a:t>
+              <a:t>12/4/11</a:t>
             </a:fld>
             <a:endParaRPr lang="pt-BR"/>
           </a:p>
@@ -7987,141 +7901,6 @@
         </p:nvSpPr>
         <p:spPr>
           <a:xfrm>
-            <a:off x="457200" y="541338"/>
-            <a:ext cx="8229600" cy="1143000"/>
-          </a:xfrm>
-        </p:spPr>
-        <p:txBody>
-          <a:bodyPr/>
-          <a:lstStyle/>
-          <a:p>
-            <a:r>
-              <a:rPr lang="pt-BR" dirty="0" smtClean="0"/>
-              <a:t>Estudo de caso</a:t>
-            </a:r>
-            <a:endParaRPr lang="pt-BR" dirty="0"/>
-          </a:p>
-        </p:txBody>
-      </p:sp>
-      <p:sp>
-        <p:nvSpPr>
-          <p:cNvPr id="13" name="Content Placeholder 2"/>
-          <p:cNvSpPr>
-            <a:spLocks noGrp="1"/>
-          </p:cNvSpPr>
-          <p:nvPr>
-            <p:ph idx="1"/>
-          </p:nvPr>
-        </p:nvSpPr>
-        <p:spPr>
-          <a:xfrm>
-            <a:off x="457200" y="3344906"/>
-            <a:ext cx="8229600" cy="3080833"/>
-          </a:xfrm>
-        </p:spPr>
-        <p:txBody>
-          <a:bodyPr>
-            <a:normAutofit fontScale="92500"/>
-          </a:bodyPr>
-          <a:lstStyle/>
-          <a:p>
-            <a:r>
-              <a:rPr lang="pt-BR" dirty="0" smtClean="0"/>
-              <a:t>Sistema de Catálogo Digital para um Restaurante.</a:t>
-            </a:r>
-          </a:p>
-          <a:p>
-            <a:r>
-              <a:rPr lang="pt-BR" dirty="0" smtClean="0"/>
-              <a:t>O usuário cadastra seus itens no sistema web e pode visualizá-los em seu dispositivo móvel, através do sistema mobile.</a:t>
-            </a:r>
-          </a:p>
-          <a:p>
-            <a:r>
-              <a:rPr lang="pt-BR" dirty="0" smtClean="0"/>
-              <a:t>Ambos os sistemas foram desenvolvidos utilizando TDD.</a:t>
-            </a:r>
-          </a:p>
-        </p:txBody>
-      </p:sp>
-      <p:pic>
-        <p:nvPicPr>
-          <p:cNvPr id="9" name="Picture 8"/>
-          <p:cNvPicPr>
-            <a:picLocks noChangeAspect="1"/>
-          </p:cNvPicPr>
-          <p:nvPr/>
-        </p:nvPicPr>
-        <p:blipFill>
-          <a:blip r:embed="rId3"/>
-          <a:stretch>
-            <a:fillRect/>
-          </a:stretch>
-        </p:blipFill>
-        <p:spPr>
-          <a:xfrm>
-            <a:off x="1136162" y="1589128"/>
-            <a:ext cx="6778165" cy="1529432"/>
-          </a:xfrm>
-          <a:prstGeom prst="rect">
-            <a:avLst/>
-          </a:prstGeom>
-        </p:spPr>
-      </p:pic>
-    </p:spTree>
-    <p:extLst>
-      <p:ext uri="{BB962C8B-B14F-4D97-AF65-F5344CB8AC3E}">
-        <p14:creationId xmlns:p14="http://schemas.microsoft.com/office/powerpoint/2010/main" val="110444247"/>
-      </p:ext>
-    </p:extLst>
-  </p:cSld>
-  <p:clrMapOvr>
-    <a:overrideClrMapping bg1="lt1" tx1="dk1" bg2="lt2" tx2="dk2" accent1="accent1" accent2="accent2" accent3="accent3" accent4="accent4" accent5="accent5" accent6="accent6" hlink="hlink" folHlink="folHlink"/>
-  </p:clrMapOvr>
-  <p:timing>
-    <p:tnLst>
-      <p:par>
-        <p:cTn xmlns:p14="http://schemas.microsoft.com/office/powerpoint/2010/main" id="1" dur="indefinite" restart="never" nodeType="tmRoot"/>
-      </p:par>
-    </p:tnLst>
-  </p:timing>
-</p:sld>
-</file>
-
-<file path=ppt/slides/slide11.xml><?xml version="1.0" encoding="utf-8"?>
-<p:sld xmlns:a="http://schemas.openxmlformats.org/drawingml/2006/main" xmlns:r="http://schemas.openxmlformats.org/officeDocument/2006/relationships" xmlns:p="http://schemas.openxmlformats.org/presentationml/2006/main">
-  <p:cSld>
-    <p:bg>
-      <p:bgRef idx="1001">
-        <a:schemeClr val="bg1"/>
-      </p:bgRef>
-    </p:bg>
-    <p:spTree>
-      <p:nvGrpSpPr>
-        <p:cNvPr id="1" name=""/>
-        <p:cNvGrpSpPr/>
-        <p:nvPr/>
-      </p:nvGrpSpPr>
-      <p:grpSpPr>
-        <a:xfrm>
-          <a:off x="0" y="0"/>
-          <a:ext cx="0" cy="0"/>
-          <a:chOff x="0" y="0"/>
-          <a:chExt cx="0" cy="0"/>
-        </a:xfrm>
-      </p:grpSpPr>
-      <p:sp>
-        <p:nvSpPr>
-          <p:cNvPr id="2" name="Title 1"/>
-          <p:cNvSpPr>
-            <a:spLocks noGrp="1"/>
-          </p:cNvSpPr>
-          <p:nvPr>
-            <p:ph type="title"/>
-          </p:nvPr>
-        </p:nvSpPr>
-        <p:spPr>
-          <a:xfrm>
             <a:off x="457200" y="554039"/>
             <a:ext cx="8229600" cy="1143000"/>
           </a:xfrm>
@@ -8182,7 +7961,7 @@
 </p:sld>
 </file>
 
-<file path=ppt/slides/slide12.xml><?xml version="1.0" encoding="utf-8"?>
+<file path=ppt/slides/slide11.xml><?xml version="1.0" encoding="utf-8"?>
 <p:sld xmlns:a="http://schemas.openxmlformats.org/drawingml/2006/main" xmlns:r="http://schemas.openxmlformats.org/officeDocument/2006/relationships" xmlns:p="http://schemas.openxmlformats.org/presentationml/2006/main">
   <p:cSld>
     <p:bg>
@@ -8513,7 +8292,7 @@
 </p:sld>
 </file>
 
-<file path=ppt/slides/slide13.xml><?xml version="1.0" encoding="utf-8"?>
+<file path=ppt/slides/slide12.xml><?xml version="1.0" encoding="utf-8"?>
 <p:sld xmlns:a="http://schemas.openxmlformats.org/drawingml/2006/main" xmlns:r="http://schemas.openxmlformats.org/officeDocument/2006/relationships" xmlns:p="http://schemas.openxmlformats.org/presentationml/2006/main">
   <p:cSld>
     <p:bg>
@@ -8658,7 +8437,7 @@
 </p:sld>
 </file>
 
-<file path=ppt/slides/slide14.xml><?xml version="1.0" encoding="utf-8"?>
+<file path=ppt/slides/slide13.xml><?xml version="1.0" encoding="utf-8"?>
 <p:sld xmlns:a="http://schemas.openxmlformats.org/drawingml/2006/main" xmlns:r="http://schemas.openxmlformats.org/officeDocument/2006/relationships" xmlns:p="http://schemas.openxmlformats.org/presentationml/2006/main">
   <p:cSld>
     <p:bg>
@@ -8752,7 +8531,7 @@
 </p:sld>
 </file>
 
-<file path=ppt/slides/slide15.xml><?xml version="1.0" encoding="utf-8"?>
+<file path=ppt/slides/slide14.xml><?xml version="1.0" encoding="utf-8"?>
 <p:sld xmlns:a="http://schemas.openxmlformats.org/drawingml/2006/main" xmlns:r="http://schemas.openxmlformats.org/officeDocument/2006/relationships" xmlns:p="http://schemas.openxmlformats.org/presentationml/2006/main">
   <p:cSld>
     <p:bg>
@@ -8846,7 +8625,7 @@
 </p:sld>
 </file>
 
-<file path=ppt/slides/slide16.xml><?xml version="1.0" encoding="utf-8"?>
+<file path=ppt/slides/slide15.xml><?xml version="1.0" encoding="utf-8"?>
 <p:sld xmlns:a="http://schemas.openxmlformats.org/drawingml/2006/main" xmlns:r="http://schemas.openxmlformats.org/officeDocument/2006/relationships" xmlns:p="http://schemas.openxmlformats.org/presentationml/2006/main">
   <p:cSld>
     <p:bg>
@@ -8940,7 +8719,7 @@
 </p:sld>
 </file>
 
-<file path=ppt/slides/slide17.xml><?xml version="1.0" encoding="utf-8"?>
+<file path=ppt/slides/slide16.xml><?xml version="1.0" encoding="utf-8"?>
 <p:sld xmlns:a="http://schemas.openxmlformats.org/drawingml/2006/main" xmlns:r="http://schemas.openxmlformats.org/officeDocument/2006/relationships" xmlns:p="http://schemas.openxmlformats.org/presentationml/2006/main">
   <p:cSld>
     <p:bg>
@@ -9058,7 +8837,7 @@
 </p:sld>
 </file>
 
-<file path=ppt/slides/slide18.xml><?xml version="1.0" encoding="utf-8"?>
+<file path=ppt/slides/slide17.xml><?xml version="1.0" encoding="utf-8"?>
 <p:sld xmlns:a="http://schemas.openxmlformats.org/drawingml/2006/main" xmlns:r="http://schemas.openxmlformats.org/officeDocument/2006/relationships" xmlns:p="http://schemas.openxmlformats.org/presentationml/2006/main">
   <p:cSld>
     <p:bg>
@@ -9152,7 +8931,7 @@
 </p:sld>
 </file>
 
-<file path=ppt/slides/slide19.xml><?xml version="1.0" encoding="utf-8"?>
+<file path=ppt/slides/slide18.xml><?xml version="1.0" encoding="utf-8"?>
 <p:sld xmlns:a="http://schemas.openxmlformats.org/drawingml/2006/main" xmlns:r="http://schemas.openxmlformats.org/officeDocument/2006/relationships" xmlns:p="http://schemas.openxmlformats.org/presentationml/2006/main">
   <p:cSld>
     <p:bg>
@@ -9246,6 +9025,186 @@
 </p:sld>
 </file>
 
+<file path=ppt/slides/slide19.xml><?xml version="1.0" encoding="utf-8"?>
+<p:sld xmlns:a="http://schemas.openxmlformats.org/drawingml/2006/main" xmlns:r="http://schemas.openxmlformats.org/officeDocument/2006/relationships" xmlns:p="http://schemas.openxmlformats.org/presentationml/2006/main">
+  <p:cSld>
+    <p:bg>
+      <p:bgRef idx="1001">
+        <a:schemeClr val="bg1"/>
+      </p:bgRef>
+    </p:bg>
+    <p:spTree>
+      <p:nvGrpSpPr>
+        <p:cNvPr id="1" name=""/>
+        <p:cNvGrpSpPr/>
+        <p:nvPr/>
+      </p:nvGrpSpPr>
+      <p:grpSpPr>
+        <a:xfrm>
+          <a:off x="0" y="0"/>
+          <a:ext cx="0" cy="0"/>
+          <a:chOff x="0" y="0"/>
+          <a:chExt cx="0" cy="0"/>
+        </a:xfrm>
+      </p:grpSpPr>
+      <p:sp>
+        <p:nvSpPr>
+          <p:cNvPr id="2" name="Title 1"/>
+          <p:cNvSpPr>
+            <a:spLocks noGrp="1"/>
+          </p:cNvSpPr>
+          <p:nvPr>
+            <p:ph type="title"/>
+          </p:nvPr>
+        </p:nvSpPr>
+        <p:spPr>
+          <a:xfrm>
+            <a:off x="457200" y="706438"/>
+            <a:ext cx="8229600" cy="1143000"/>
+          </a:xfrm>
+        </p:spPr>
+        <p:txBody>
+          <a:bodyPr/>
+          <a:lstStyle/>
+          <a:p>
+            <a:r>
+              <a:rPr lang="pt-BR" dirty="0" smtClean="0"/>
+              <a:t>Cobertura de testes</a:t>
+            </a:r>
+            <a:endParaRPr lang="pt-BR" dirty="0"/>
+          </a:p>
+        </p:txBody>
+      </p:sp>
+      <p:sp>
+        <p:nvSpPr>
+          <p:cNvPr id="3" name="Content Placeholder 2"/>
+          <p:cNvSpPr>
+            <a:spLocks noGrp="1"/>
+          </p:cNvSpPr>
+          <p:nvPr>
+            <p:ph idx="1"/>
+          </p:nvPr>
+        </p:nvSpPr>
+        <p:spPr>
+          <a:xfrm>
+            <a:off x="457200" y="2184401"/>
+            <a:ext cx="8229600" cy="3403600"/>
+          </a:xfrm>
+        </p:spPr>
+        <p:txBody>
+          <a:bodyPr/>
+          <a:lstStyle/>
+          <a:p>
+            <a:r>
+              <a:rPr lang="pt-BR" dirty="0" smtClean="0"/>
+              <a:t>A cobertura de testes mostra a porcentagem de código desenvolvido que é testado durante a execução de um conjunto de testes.</a:t>
+            </a:r>
+          </a:p>
+          <a:p>
+            <a:r>
+              <a:rPr lang="pt-BR" dirty="0" smtClean="0"/>
+              <a:t>Segundo (</a:t>
+            </a:r>
+            <a:r>
+              <a:rPr lang="en-US" dirty="0" smtClean="0"/>
+              <a:t>TASSEY</a:t>
+            </a:r>
+            <a:r>
+              <a:rPr lang="en-US" dirty="0"/>
+              <a:t>, </a:t>
+            </a:r>
+            <a:r>
+              <a:rPr lang="en-US" dirty="0" smtClean="0"/>
+              <a:t>2002), um </a:t>
+            </a:r>
+            <a:r>
+              <a:rPr lang="en-US" dirty="0" err="1" smtClean="0"/>
+              <a:t>aumento</a:t>
+            </a:r>
+            <a:r>
+              <a:rPr lang="en-US" dirty="0" smtClean="0"/>
+              <a:t> </a:t>
+            </a:r>
+            <a:r>
+              <a:rPr lang="en-US" dirty="0" err="1" smtClean="0"/>
+              <a:t>na</a:t>
+            </a:r>
+            <a:r>
+              <a:rPr lang="en-US" dirty="0" smtClean="0"/>
+              <a:t> </a:t>
+            </a:r>
+            <a:r>
+              <a:rPr lang="en-US" dirty="0" err="1" smtClean="0"/>
+              <a:t>cobertura</a:t>
+            </a:r>
+            <a:r>
+              <a:rPr lang="en-US" dirty="0" smtClean="0"/>
+              <a:t> de testes no </a:t>
+            </a:r>
+            <a:r>
+              <a:rPr lang="en-US" dirty="0" err="1" smtClean="0"/>
+              <a:t>código</a:t>
+            </a:r>
+            <a:r>
+              <a:rPr lang="en-US" dirty="0" smtClean="0"/>
+              <a:t> </a:t>
+            </a:r>
+            <a:r>
+              <a:rPr lang="en-US" dirty="0" err="1" smtClean="0"/>
+              <a:t>implica</a:t>
+            </a:r>
+            <a:r>
+              <a:rPr lang="en-US" dirty="0" smtClean="0"/>
+              <a:t> </a:t>
+            </a:r>
+            <a:r>
+              <a:rPr lang="en-US" dirty="0" err="1" smtClean="0"/>
+              <a:t>na</a:t>
+            </a:r>
+            <a:r>
+              <a:rPr lang="en-US" dirty="0" smtClean="0"/>
+              <a:t> </a:t>
+            </a:r>
+            <a:r>
+              <a:rPr lang="en-US" dirty="0" err="1" smtClean="0"/>
+              <a:t>redução</a:t>
+            </a:r>
+            <a:r>
+              <a:rPr lang="en-US" dirty="0" smtClean="0"/>
+              <a:t> de </a:t>
+            </a:r>
+            <a:r>
+              <a:rPr lang="en-US" dirty="0" err="1" smtClean="0"/>
+              <a:t>defeitos</a:t>
+            </a:r>
+            <a:r>
+              <a:rPr lang="en-US" dirty="0" smtClean="0"/>
+              <a:t> do software.</a:t>
+            </a:r>
+            <a:endParaRPr lang="pt-BR" dirty="0"/>
+          </a:p>
+        </p:txBody>
+      </p:sp>
+    </p:spTree>
+    <p:extLst>
+      <p:ext uri="{BB962C8B-B14F-4D97-AF65-F5344CB8AC3E}">
+        <p14:creationId xmlns:p14="http://schemas.microsoft.com/office/powerpoint/2010/main" val="1454029067"/>
+      </p:ext>
+    </p:extLst>
+  </p:cSld>
+  <p:clrMapOvr>
+    <a:overrideClrMapping bg1="lt1" tx1="dk1" bg2="lt2" tx2="dk2" accent1="accent1" accent2="accent2" accent3="accent3" accent4="accent4" accent5="accent5" accent6="accent6" hlink="hlink" folHlink="folHlink"/>
+  </p:clrMapOvr>
+  <p:timing>
+    <p:tnLst>
+      <p:par>
+        <p:cTn xmlns:p14="http://schemas.microsoft.com/office/powerpoint/2010/main" id="1" dur="indefinite" restart="never" nodeType="tmRoot"/>
+      </p:par>
+    </p:tnLst>
+  </p:timing>
+</p:sld>
+</file>
+
 <file path=ppt/slides/slide2.xml><?xml version="1.0" encoding="utf-8"?>
 <p:sld xmlns:a="http://schemas.openxmlformats.org/drawingml/2006/main" xmlns:r="http://schemas.openxmlformats.org/officeDocument/2006/relationships" xmlns:p="http://schemas.openxmlformats.org/presentationml/2006/main">
   <p:cSld>
@@ -9404,136 +9363,90 @@
         </p:nvSpPr>
         <p:spPr>
           <a:xfrm>
-            <a:off x="457200" y="706438"/>
+            <a:off x="457200" y="782638"/>
             <a:ext cx="8229600" cy="1143000"/>
           </a:xfrm>
         </p:spPr>
         <p:txBody>
-          <a:bodyPr/>
+          <a:bodyPr>
+            <a:normAutofit/>
+          </a:bodyPr>
           <a:lstStyle/>
           <a:p>
             <a:r>
-              <a:rPr lang="pt-BR" dirty="0" smtClean="0"/>
-              <a:t>Cobertura de testes</a:t>
-            </a:r>
-            <a:endParaRPr lang="pt-BR" dirty="0"/>
-          </a:p>
-        </p:txBody>
-      </p:sp>
-      <p:sp>
-        <p:nvSpPr>
-          <p:cNvPr id="3" name="Content Placeholder 2"/>
-          <p:cNvSpPr>
-            <a:spLocks noGrp="1"/>
-          </p:cNvSpPr>
-          <p:nvPr>
-            <p:ph idx="1"/>
-          </p:nvPr>
-        </p:nvSpPr>
+              <a:rPr lang="pt-BR" sz="3800" dirty="0" smtClean="0"/>
+              <a:t>Relatório de Cobertura do Sistema Web</a:t>
+            </a:r>
+            <a:endParaRPr lang="pt-BR" sz="3800" dirty="0"/>
+          </a:p>
+        </p:txBody>
+      </p:sp>
+      <p:pic>
+        <p:nvPicPr>
+          <p:cNvPr id="5" name="Picture 4"/>
+          <p:cNvPicPr>
+            <a:picLocks noChangeAspect="1"/>
+          </p:cNvPicPr>
+          <p:nvPr/>
+        </p:nvPicPr>
+        <p:blipFill>
+          <a:blip r:embed="rId3"/>
+          <a:stretch>
+            <a:fillRect/>
+          </a:stretch>
+        </p:blipFill>
         <p:spPr>
           <a:xfrm>
-            <a:off x="457200" y="2184401"/>
-            <a:ext cx="8229600" cy="3403600"/>
+            <a:off x="343746" y="1925638"/>
+            <a:ext cx="8565399" cy="4810962"/>
           </a:xfrm>
+          <a:prstGeom prst="rect">
+            <a:avLst/>
+          </a:prstGeom>
         </p:spPr>
-        <p:txBody>
-          <a:bodyPr/>
+      </p:pic>
+      <p:sp>
+        <p:nvSpPr>
+          <p:cNvPr id="3" name="Left Arrow 2"/>
+          <p:cNvSpPr/>
+          <p:nvPr/>
+        </p:nvSpPr>
+        <p:spPr>
+          <a:xfrm>
+            <a:off x="2414091" y="2351493"/>
+            <a:ext cx="440069" cy="352096"/>
+          </a:xfrm>
+          <a:prstGeom prst="leftArrow">
+            <a:avLst/>
+          </a:prstGeom>
+        </p:spPr>
+        <p:style>
+          <a:lnRef idx="1">
+            <a:schemeClr val="accent1"/>
+          </a:lnRef>
+          <a:fillRef idx="3">
+            <a:schemeClr val="accent1"/>
+          </a:fillRef>
+          <a:effectRef idx="2">
+            <a:schemeClr val="accent1"/>
+          </a:effectRef>
+          <a:fontRef idx="minor">
+            <a:schemeClr val="lt1"/>
+          </a:fontRef>
+        </p:style>
+        <p:txBody>
+          <a:bodyPr rtlCol="0" anchor="ctr"/>
           <a:lstStyle/>
           <a:p>
-            <a:r>
-              <a:rPr lang="pt-BR" dirty="0" smtClean="0"/>
-              <a:t>A cobertura de testes mostra a porcentagem de código desenvolvido que é testado durante a execução de um conjunto de testes.</a:t>
-            </a:r>
-          </a:p>
-          <a:p>
-            <a:r>
-              <a:rPr lang="pt-BR" dirty="0" smtClean="0"/>
-              <a:t>Segundo (</a:t>
-            </a:r>
-            <a:r>
-              <a:rPr lang="en-US" dirty="0" smtClean="0"/>
-              <a:t>TASSEY</a:t>
-            </a:r>
-            <a:r>
-              <a:rPr lang="en-US" dirty="0"/>
-              <a:t>, </a:t>
-            </a:r>
-            <a:r>
-              <a:rPr lang="en-US" dirty="0" smtClean="0"/>
-              <a:t>2002), um </a:t>
-            </a:r>
-            <a:r>
-              <a:rPr lang="en-US" dirty="0" err="1" smtClean="0"/>
-              <a:t>aumento</a:t>
-            </a:r>
-            <a:r>
-              <a:rPr lang="en-US" dirty="0" smtClean="0"/>
-              <a:t> </a:t>
-            </a:r>
-            <a:r>
-              <a:rPr lang="en-US" dirty="0" err="1" smtClean="0"/>
-              <a:t>na</a:t>
-            </a:r>
-            <a:r>
-              <a:rPr lang="en-US" dirty="0" smtClean="0"/>
-              <a:t> </a:t>
-            </a:r>
-            <a:r>
-              <a:rPr lang="en-US" dirty="0" err="1" smtClean="0"/>
-              <a:t>cobertura</a:t>
-            </a:r>
-            <a:r>
-              <a:rPr lang="en-US" dirty="0" smtClean="0"/>
-              <a:t> de testes no </a:t>
-            </a:r>
-            <a:r>
-              <a:rPr lang="en-US" dirty="0" err="1" smtClean="0"/>
-              <a:t>código</a:t>
-            </a:r>
-            <a:r>
-              <a:rPr lang="en-US" dirty="0" smtClean="0"/>
-              <a:t> </a:t>
-            </a:r>
-            <a:r>
-              <a:rPr lang="en-US" dirty="0" err="1" smtClean="0"/>
-              <a:t>implica</a:t>
-            </a:r>
-            <a:r>
-              <a:rPr lang="en-US" dirty="0" smtClean="0"/>
-              <a:t> </a:t>
-            </a:r>
-            <a:r>
-              <a:rPr lang="en-US" dirty="0" err="1" smtClean="0"/>
-              <a:t>na</a:t>
-            </a:r>
-            <a:r>
-              <a:rPr lang="en-US" dirty="0" smtClean="0"/>
-              <a:t> </a:t>
-            </a:r>
-            <a:r>
-              <a:rPr lang="en-US" dirty="0" err="1" smtClean="0"/>
-              <a:t>redução</a:t>
-            </a:r>
-            <a:r>
-              <a:rPr lang="en-US" dirty="0" smtClean="0"/>
-              <a:t> de </a:t>
-            </a:r>
-            <a:r>
-              <a:rPr lang="en-US" dirty="0" err="1" smtClean="0"/>
-              <a:t>defeitos</a:t>
-            </a:r>
-            <a:r>
-              <a:rPr lang="en-US" dirty="0" smtClean="0"/>
-              <a:t> do software.</a:t>
-            </a:r>
-            <a:endParaRPr lang="pt-BR" dirty="0"/>
+            <a:pPr algn="ctr"/>
+            <a:endParaRPr lang="pt-BR"/>
           </a:p>
         </p:txBody>
       </p:sp>
     </p:spTree>
     <p:extLst>
       <p:ext uri="{BB962C8B-B14F-4D97-AF65-F5344CB8AC3E}">
-        <p14:creationId xmlns:p14="http://schemas.microsoft.com/office/powerpoint/2010/main" val="1454029067"/>
+        <p14:creationId xmlns:p14="http://schemas.microsoft.com/office/powerpoint/2010/main" val="24550012"/>
       </p:ext>
     </p:extLst>
   </p:cSld>
@@ -9584,102 +9497,6 @@
         </p:nvSpPr>
         <p:spPr>
           <a:xfrm>
-            <a:off x="457200" y="782638"/>
-            <a:ext cx="8229600" cy="1143000"/>
-          </a:xfrm>
-        </p:spPr>
-        <p:txBody>
-          <a:bodyPr>
-            <a:normAutofit/>
-          </a:bodyPr>
-          <a:lstStyle/>
-          <a:p>
-            <a:r>
-              <a:rPr lang="pt-BR" sz="3800" dirty="0" smtClean="0"/>
-              <a:t>Relatório de Cobertura do Sistema Web</a:t>
-            </a:r>
-            <a:endParaRPr lang="pt-BR" sz="3800" dirty="0"/>
-          </a:p>
-        </p:txBody>
-      </p:sp>
-      <p:pic>
-        <p:nvPicPr>
-          <p:cNvPr id="5" name="Picture 4"/>
-          <p:cNvPicPr>
-            <a:picLocks noChangeAspect="1"/>
-          </p:cNvPicPr>
-          <p:nvPr/>
-        </p:nvPicPr>
-        <p:blipFill>
-          <a:blip r:embed="rId3"/>
-          <a:stretch>
-            <a:fillRect/>
-          </a:stretch>
-        </p:blipFill>
-        <p:spPr>
-          <a:xfrm>
-            <a:off x="343746" y="1925638"/>
-            <a:ext cx="8565399" cy="4810962"/>
-          </a:xfrm>
-          <a:prstGeom prst="rect">
-            <a:avLst/>
-          </a:prstGeom>
-        </p:spPr>
-      </p:pic>
-    </p:spTree>
-    <p:extLst>
-      <p:ext uri="{BB962C8B-B14F-4D97-AF65-F5344CB8AC3E}">
-        <p14:creationId xmlns:p14="http://schemas.microsoft.com/office/powerpoint/2010/main" val="24550012"/>
-      </p:ext>
-    </p:extLst>
-  </p:cSld>
-  <p:clrMapOvr>
-    <a:overrideClrMapping bg1="lt1" tx1="dk1" bg2="lt2" tx2="dk2" accent1="accent1" accent2="accent2" accent3="accent3" accent4="accent4" accent5="accent5" accent6="accent6" hlink="hlink" folHlink="folHlink"/>
-  </p:clrMapOvr>
-  <p:timing>
-    <p:tnLst>
-      <p:par>
-        <p:cTn xmlns:p14="http://schemas.microsoft.com/office/powerpoint/2010/main" id="1" dur="indefinite" restart="never" nodeType="tmRoot"/>
-      </p:par>
-    </p:tnLst>
-  </p:timing>
-</p:sld>
-</file>
-
-<file path=ppt/slides/slide22.xml><?xml version="1.0" encoding="utf-8"?>
-<p:sld xmlns:a="http://schemas.openxmlformats.org/drawingml/2006/main" xmlns:r="http://schemas.openxmlformats.org/officeDocument/2006/relationships" xmlns:p="http://schemas.openxmlformats.org/presentationml/2006/main">
-  <p:cSld>
-    <p:bg>
-      <p:bgRef idx="1001">
-        <a:schemeClr val="bg1"/>
-      </p:bgRef>
-    </p:bg>
-    <p:spTree>
-      <p:nvGrpSpPr>
-        <p:cNvPr id="1" name=""/>
-        <p:cNvGrpSpPr/>
-        <p:nvPr/>
-      </p:nvGrpSpPr>
-      <p:grpSpPr>
-        <a:xfrm>
-          <a:off x="0" y="0"/>
-          <a:ext cx="0" cy="0"/>
-          <a:chOff x="0" y="0"/>
-          <a:chExt cx="0" cy="0"/>
-        </a:xfrm>
-      </p:grpSpPr>
-      <p:sp>
-        <p:nvSpPr>
-          <p:cNvPr id="2" name="Title 1"/>
-          <p:cNvSpPr>
-            <a:spLocks noGrp="1"/>
-          </p:cNvSpPr>
-          <p:nvPr>
-            <p:ph type="title"/>
-          </p:nvPr>
-        </p:nvSpPr>
-        <p:spPr>
-          <a:xfrm>
             <a:off x="457200" y="777163"/>
             <a:ext cx="8229600" cy="1143000"/>
           </a:xfrm>
@@ -9722,6 +9539,44 @@
           </a:prstGeom>
         </p:spPr>
       </p:pic>
+      <p:sp>
+        <p:nvSpPr>
+          <p:cNvPr id="3" name="Up Arrow 2"/>
+          <p:cNvSpPr/>
+          <p:nvPr/>
+        </p:nvSpPr>
+        <p:spPr>
+          <a:xfrm>
+            <a:off x="7229701" y="3206583"/>
+            <a:ext cx="1093885" cy="1257483"/>
+          </a:xfrm>
+          <a:prstGeom prst="upArrow">
+            <a:avLst/>
+          </a:prstGeom>
+        </p:spPr>
+        <p:style>
+          <a:lnRef idx="1">
+            <a:schemeClr val="accent1"/>
+          </a:lnRef>
+          <a:fillRef idx="3">
+            <a:schemeClr val="accent1"/>
+          </a:fillRef>
+          <a:effectRef idx="2">
+            <a:schemeClr val="accent1"/>
+          </a:effectRef>
+          <a:fontRef idx="minor">
+            <a:schemeClr val="lt1"/>
+          </a:fontRef>
+        </p:style>
+        <p:txBody>
+          <a:bodyPr rtlCol="0" anchor="ctr"/>
+          <a:lstStyle/>
+          <a:p>
+            <a:pPr algn="ctr"/>
+            <a:endParaRPr lang="pt-BR"/>
+          </a:p>
+        </p:txBody>
+      </p:sp>
     </p:spTree>
     <p:extLst>
       <p:ext uri="{BB962C8B-B14F-4D97-AF65-F5344CB8AC3E}">
@@ -9742,7 +9597,7 @@
 </p:sld>
 </file>
 
-<file path=ppt/slides/slide23.xml><?xml version="1.0" encoding="utf-8"?>
+<file path=ppt/slides/slide22.xml><?xml version="1.0" encoding="utf-8"?>
 <p:sld xmlns:a="http://schemas.openxmlformats.org/drawingml/2006/main" xmlns:r="http://schemas.openxmlformats.org/officeDocument/2006/relationships" xmlns:p="http://schemas.openxmlformats.org/presentationml/2006/main">
   <p:cSld>
     <p:bg>
@@ -10198,53 +10053,173 @@
             <p:ph type="title"/>
           </p:nvPr>
         </p:nvSpPr>
-        <p:spPr/>
+        <p:spPr>
+          <a:xfrm>
+            <a:off x="457200" y="782638"/>
+            <a:ext cx="8229600" cy="1143000"/>
+          </a:xfrm>
+        </p:spPr>
         <p:txBody>
           <a:bodyPr/>
           <a:lstStyle/>
           <a:p>
             <a:r>
               <a:rPr lang="pt-BR" dirty="0" smtClean="0"/>
-              <a:t>O Grande Problema</a:t>
-            </a:r>
-            <a:endParaRPr lang="pt-BR" dirty="0"/>
-          </a:p>
-        </p:txBody>
-      </p:sp>
-      <p:pic>
-        <p:nvPicPr>
-          <p:cNvPr id="4" name="Picture 3" descr="falta comunicacao software.jpg"/>
-          <p:cNvPicPr>
-            <a:picLocks noChangeAspect="1"/>
-          </p:cNvPicPr>
-          <p:nvPr/>
-        </p:nvPicPr>
-        <p:blipFill>
-          <a:blip r:embed="rId4">
-            <a:extLst>
-              <a:ext uri="{28A0092B-C50C-407E-A947-70E740481C1C}">
-                <a14:useLocalDpi xmlns:a14="http://schemas.microsoft.com/office/drawing/2010/main" val="0"/>
-              </a:ext>
-            </a:extLst>
-          </a:blip>
-          <a:stretch>
-            <a:fillRect/>
-          </a:stretch>
-        </p:blipFill>
+              <a:t>Pensamento </a:t>
+            </a:r>
+            <a:r>
+              <a:rPr lang="pt-BR" noProof="1" smtClean="0"/>
+              <a:t>Lean</a:t>
+            </a:r>
+            <a:endParaRPr lang="pt-BR" noProof="1"/>
+          </a:p>
+        </p:txBody>
+      </p:sp>
+      <p:sp>
+        <p:nvSpPr>
+          <p:cNvPr id="3" name="Content Placeholder 2"/>
+          <p:cNvSpPr>
+            <a:spLocks noGrp="1"/>
+          </p:cNvSpPr>
+          <p:nvPr>
+            <p:ph idx="1"/>
+          </p:nvPr>
+        </p:nvSpPr>
         <p:spPr>
           <a:xfrm>
-            <a:off x="1117600" y="1239838"/>
-            <a:ext cx="6680200" cy="5010150"/>
+            <a:off x="457200" y="2095500"/>
+            <a:ext cx="8229600" cy="4525963"/>
           </a:xfrm>
-          <a:prstGeom prst="rect">
-            <a:avLst/>
-          </a:prstGeom>
         </p:spPr>
-      </p:pic>
+        <p:txBody>
+          <a:bodyPr/>
+          <a:lstStyle/>
+          <a:p>
+            <a:r>
+              <a:rPr lang="pt-BR" dirty="0" smtClean="0"/>
+              <a:t>Surgiu no Japão na década de 40.</a:t>
+            </a:r>
+          </a:p>
+          <a:p>
+            <a:r>
+              <a:rPr lang="it-IT" dirty="0" err="1" smtClean="0"/>
+              <a:t>Conhecido</a:t>
+            </a:r>
+            <a:r>
+              <a:rPr lang="it-IT" dirty="0" smtClean="0"/>
+              <a:t> </a:t>
+            </a:r>
+            <a:r>
+              <a:rPr lang="it-IT" dirty="0" err="1" smtClean="0"/>
+              <a:t>como</a:t>
+            </a:r>
+            <a:r>
+              <a:rPr lang="it-IT" dirty="0" smtClean="0"/>
+              <a:t> cultura Toyota.</a:t>
+            </a:r>
+          </a:p>
+          <a:p>
+            <a:r>
+              <a:rPr lang="it-IT" dirty="0" smtClean="0"/>
+              <a:t>A </a:t>
+            </a:r>
+            <a:r>
+              <a:rPr lang="it-IT" dirty="0" err="1" smtClean="0"/>
+              <a:t>redução</a:t>
+            </a:r>
+            <a:r>
+              <a:rPr lang="it-IT" dirty="0" smtClean="0"/>
+              <a:t> de </a:t>
+            </a:r>
+            <a:r>
+              <a:rPr lang="it-IT" dirty="0" err="1" smtClean="0"/>
+              <a:t>desperdícios</a:t>
+            </a:r>
+            <a:r>
+              <a:rPr lang="it-IT" dirty="0" smtClean="0"/>
+              <a:t> durante o processo de </a:t>
+            </a:r>
+            <a:r>
+              <a:rPr lang="it-IT" dirty="0" err="1" smtClean="0"/>
+              <a:t>produção</a:t>
+            </a:r>
+            <a:r>
+              <a:rPr lang="it-IT" dirty="0" smtClean="0"/>
+              <a:t> </a:t>
+            </a:r>
+            <a:r>
+              <a:rPr lang="fr-FR" smtClean="0"/>
+              <a:t>é</a:t>
+            </a:r>
+            <a:r>
+              <a:rPr lang="it-IT" smtClean="0"/>
+              <a:t> </a:t>
+            </a:r>
+            <a:r>
+              <a:rPr lang="it-IT" dirty="0" err="1" smtClean="0"/>
+              <a:t>seu</a:t>
+            </a:r>
+            <a:r>
+              <a:rPr lang="it-IT" dirty="0" smtClean="0"/>
+              <a:t> </a:t>
+            </a:r>
+            <a:r>
+              <a:rPr lang="it-IT" dirty="0" err="1" smtClean="0"/>
+              <a:t>maior</a:t>
+            </a:r>
+            <a:r>
+              <a:rPr lang="it-IT" dirty="0" smtClean="0"/>
+              <a:t> pilar.</a:t>
+            </a:r>
+          </a:p>
+          <a:p>
+            <a:r>
+              <a:rPr lang="it-IT" dirty="0" err="1" smtClean="0"/>
+              <a:t>Pode</a:t>
+            </a:r>
+            <a:r>
+              <a:rPr lang="it-IT" dirty="0" smtClean="0"/>
+              <a:t> ser </a:t>
+            </a:r>
+            <a:r>
+              <a:rPr lang="it-IT" dirty="0" err="1" smtClean="0"/>
+              <a:t>aplicado</a:t>
+            </a:r>
+            <a:r>
+              <a:rPr lang="it-IT" dirty="0" smtClean="0"/>
+              <a:t> no processo de </a:t>
+            </a:r>
+            <a:r>
+              <a:rPr lang="it-IT" dirty="0" err="1" smtClean="0"/>
+              <a:t>desenvolvimento</a:t>
+            </a:r>
+            <a:r>
+              <a:rPr lang="it-IT" dirty="0" smtClean="0"/>
+              <a:t> de </a:t>
+            </a:r>
+            <a:r>
+              <a:rPr lang="it-IT" dirty="0" err="1" smtClean="0"/>
+              <a:t>qualquer</a:t>
+            </a:r>
+            <a:r>
+              <a:rPr lang="it-IT" dirty="0" smtClean="0"/>
+              <a:t> tipo de </a:t>
+            </a:r>
+            <a:r>
+              <a:rPr lang="it-IT" dirty="0" err="1" smtClean="0"/>
+              <a:t>produto</a:t>
+            </a:r>
+            <a:r>
+              <a:rPr lang="it-IT" dirty="0" smtClean="0"/>
+              <a:t>.</a:t>
+            </a:r>
+          </a:p>
+        </p:txBody>
+      </p:sp>
     </p:spTree>
     <p:extLst>
       <p:ext uri="{BB962C8B-B14F-4D97-AF65-F5344CB8AC3E}">
-        <p14:creationId xmlns:p14="http://schemas.microsoft.com/office/powerpoint/2010/main" val="3999134432"/>
+        <p14:creationId xmlns:p14="http://schemas.microsoft.com/office/powerpoint/2010/main" val="1105483688"/>
       </p:ext>
     </p:extLst>
   </p:cSld>
@@ -10295,221 +10270,6 @@
         </p:nvSpPr>
         <p:spPr>
           <a:xfrm>
-            <a:off x="457200" y="782638"/>
-            <a:ext cx="8229600" cy="1143000"/>
-          </a:xfrm>
-        </p:spPr>
-        <p:txBody>
-          <a:bodyPr/>
-          <a:lstStyle/>
-          <a:p>
-            <a:r>
-              <a:rPr lang="pt-BR" dirty="0" smtClean="0"/>
-              <a:t>Pensamento </a:t>
-            </a:r>
-            <a:r>
-              <a:rPr lang="pt-BR" noProof="1" smtClean="0"/>
-              <a:t>Lean</a:t>
-            </a:r>
-            <a:endParaRPr lang="pt-BR" noProof="1"/>
-          </a:p>
-        </p:txBody>
-      </p:sp>
-      <p:sp>
-        <p:nvSpPr>
-          <p:cNvPr id="3" name="Content Placeholder 2"/>
-          <p:cNvSpPr>
-            <a:spLocks noGrp="1"/>
-          </p:cNvSpPr>
-          <p:nvPr>
-            <p:ph idx="1"/>
-          </p:nvPr>
-        </p:nvSpPr>
-        <p:spPr>
-          <a:xfrm>
-            <a:off x="457200" y="2095500"/>
-            <a:ext cx="8229600" cy="4525963"/>
-          </a:xfrm>
-        </p:spPr>
-        <p:txBody>
-          <a:bodyPr/>
-          <a:lstStyle/>
-          <a:p>
-            <a:r>
-              <a:rPr lang="pt-BR" dirty="0" smtClean="0"/>
-              <a:t>Surgiu no Japão na década de 40.</a:t>
-            </a:r>
-          </a:p>
-          <a:p>
-            <a:r>
-              <a:rPr lang="it-IT" dirty="0" err="1" smtClean="0"/>
-              <a:t>Conhecido</a:t>
-            </a:r>
-            <a:r>
-              <a:rPr lang="it-IT" dirty="0" smtClean="0"/>
-              <a:t> </a:t>
-            </a:r>
-            <a:r>
-              <a:rPr lang="it-IT" dirty="0" err="1" smtClean="0"/>
-              <a:t>como</a:t>
-            </a:r>
-            <a:r>
-              <a:rPr lang="it-IT" dirty="0" smtClean="0"/>
-              <a:t> cultura Toyota.</a:t>
-            </a:r>
-          </a:p>
-          <a:p>
-            <a:r>
-              <a:rPr lang="it-IT" dirty="0" smtClean="0"/>
-              <a:t>A </a:t>
-            </a:r>
-            <a:r>
-              <a:rPr lang="it-IT" dirty="0" err="1" smtClean="0"/>
-              <a:t>redução</a:t>
-            </a:r>
-            <a:r>
-              <a:rPr lang="it-IT" dirty="0" smtClean="0"/>
-              <a:t> de </a:t>
-            </a:r>
-            <a:r>
-              <a:rPr lang="it-IT" dirty="0" err="1" smtClean="0"/>
-              <a:t>desperdícios</a:t>
-            </a:r>
-            <a:r>
-              <a:rPr lang="it-IT" dirty="0" smtClean="0"/>
-              <a:t> durante o processo de </a:t>
-            </a:r>
-            <a:r>
-              <a:rPr lang="it-IT" dirty="0" err="1" smtClean="0"/>
-              <a:t>produção</a:t>
-            </a:r>
-            <a:r>
-              <a:rPr lang="it-IT" dirty="0" smtClean="0"/>
-              <a:t> </a:t>
-            </a:r>
-            <a:r>
-              <a:rPr lang="fr-FR" smtClean="0"/>
-              <a:t>é</a:t>
-            </a:r>
-            <a:r>
-              <a:rPr lang="it-IT" smtClean="0"/>
-              <a:t> </a:t>
-            </a:r>
-            <a:r>
-              <a:rPr lang="it-IT" dirty="0" err="1" smtClean="0"/>
-              <a:t>seu</a:t>
-            </a:r>
-            <a:r>
-              <a:rPr lang="it-IT" dirty="0" smtClean="0"/>
-              <a:t> </a:t>
-            </a:r>
-            <a:r>
-              <a:rPr lang="it-IT" dirty="0" err="1" smtClean="0"/>
-              <a:t>maior</a:t>
-            </a:r>
-            <a:r>
-              <a:rPr lang="it-IT" dirty="0" smtClean="0"/>
-              <a:t> pilar.</a:t>
-            </a:r>
-          </a:p>
-          <a:p>
-            <a:r>
-              <a:rPr lang="it-IT" dirty="0" err="1" smtClean="0"/>
-              <a:t>Pode</a:t>
-            </a:r>
-            <a:r>
-              <a:rPr lang="it-IT" dirty="0" smtClean="0"/>
-              <a:t> ser </a:t>
-            </a:r>
-            <a:r>
-              <a:rPr lang="it-IT" dirty="0" err="1" smtClean="0"/>
-              <a:t>aplicado</a:t>
-            </a:r>
-            <a:r>
-              <a:rPr lang="it-IT" dirty="0" smtClean="0"/>
-              <a:t> no processo de </a:t>
-            </a:r>
-            <a:r>
-              <a:rPr lang="it-IT" dirty="0" err="1" smtClean="0"/>
-              <a:t>desenvolvimento</a:t>
-            </a:r>
-            <a:r>
-              <a:rPr lang="it-IT" dirty="0" smtClean="0"/>
-              <a:t> de </a:t>
-            </a:r>
-            <a:r>
-              <a:rPr lang="it-IT" dirty="0" err="1" smtClean="0"/>
-              <a:t>qualquer</a:t>
-            </a:r>
-            <a:r>
-              <a:rPr lang="it-IT" dirty="0" smtClean="0"/>
-              <a:t> tipo de </a:t>
-            </a:r>
-            <a:r>
-              <a:rPr lang="it-IT" dirty="0" err="1" smtClean="0"/>
-              <a:t>produto</a:t>
-            </a:r>
-            <a:r>
-              <a:rPr lang="it-IT" dirty="0" smtClean="0"/>
-              <a:t>.</a:t>
-            </a:r>
-          </a:p>
-        </p:txBody>
-      </p:sp>
-    </p:spTree>
-    <p:extLst>
-      <p:ext uri="{BB962C8B-B14F-4D97-AF65-F5344CB8AC3E}">
-        <p14:creationId xmlns:p14="http://schemas.microsoft.com/office/powerpoint/2010/main" val="1105483688"/>
-      </p:ext>
-    </p:extLst>
-  </p:cSld>
-  <p:clrMapOvr>
-    <a:overrideClrMapping bg1="lt1" tx1="dk1" bg2="lt2" tx2="dk2" accent1="accent1" accent2="accent2" accent3="accent3" accent4="accent4" accent5="accent5" accent6="accent6" hlink="hlink" folHlink="folHlink"/>
-  </p:clrMapOvr>
-  <p:timing>
-    <p:tnLst>
-      <p:par>
-        <p:cTn xmlns:p14="http://schemas.microsoft.com/office/powerpoint/2010/main" id="1" dur="indefinite" restart="never" nodeType="tmRoot"/>
-      </p:par>
-    </p:tnLst>
-  </p:timing>
-</p:sld>
-</file>
-
-<file path=ppt/slides/slide5.xml><?xml version="1.0" encoding="utf-8"?>
-<p:sld xmlns:a="http://schemas.openxmlformats.org/drawingml/2006/main" xmlns:r="http://schemas.openxmlformats.org/officeDocument/2006/relationships" xmlns:p="http://schemas.openxmlformats.org/presentationml/2006/main">
-  <p:cSld>
-    <p:bg>
-      <p:bgRef idx="1001">
-        <a:schemeClr val="bg1"/>
-      </p:bgRef>
-    </p:bg>
-    <p:spTree>
-      <p:nvGrpSpPr>
-        <p:cNvPr id="1" name=""/>
-        <p:cNvGrpSpPr/>
-        <p:nvPr/>
-      </p:nvGrpSpPr>
-      <p:grpSpPr>
-        <a:xfrm>
-          <a:off x="0" y="0"/>
-          <a:ext cx="0" cy="0"/>
-          <a:chOff x="0" y="0"/>
-          <a:chExt cx="0" cy="0"/>
-        </a:xfrm>
-      </p:grpSpPr>
-      <p:sp>
-        <p:nvSpPr>
-          <p:cNvPr id="2" name="Title 1"/>
-          <p:cNvSpPr>
-            <a:spLocks noGrp="1"/>
-          </p:cNvSpPr>
-          <p:nvPr>
-            <p:ph type="title"/>
-          </p:nvPr>
-        </p:nvSpPr>
-        <p:spPr>
-          <a:xfrm>
             <a:off x="457200" y="871538"/>
             <a:ext cx="8229600" cy="1143000"/>
           </a:xfrm>
@@ -10560,13 +10320,17 @@
           <a:p>
             <a:r>
               <a:rPr lang="pt-BR" dirty="0" smtClean="0"/>
-              <a:t>Elimine o desperdício.</a:t>
-            </a:r>
-          </a:p>
-          <a:p>
+              <a:t>Eliminar o desperdício.</a:t>
+            </a:r>
+          </a:p>
+          <a:p>
+            <a:r>
+              <a:rPr lang="pt-BR" dirty="0" smtClean="0"/>
+              <a:t>Amplificar </a:t>
+            </a:r>
             <a:r>
               <a:rPr lang="pt-BR" dirty="0"/>
-              <a:t>Amplifique o </a:t>
+              <a:t>o </a:t>
             </a:r>
             <a:r>
               <a:rPr lang="pt-BR" dirty="0" smtClean="0"/>
@@ -10577,14 +10341,18 @@
           <a:p>
             <a:r>
               <a:rPr lang="pt-BR" dirty="0" smtClean="0"/>
-              <a:t>Entregue rápido.</a:t>
+              <a:t>Entregar rápido.</a:t>
             </a:r>
             <a:endParaRPr lang="pt-BR" dirty="0"/>
           </a:p>
           <a:p>
             <a:r>
+              <a:rPr lang="pt-BR" dirty="0" smtClean="0"/>
+              <a:t>Valorizar </a:t>
+            </a:r>
+            <a:r>
               <a:rPr lang="pt-BR" dirty="0"/>
-              <a:t>Valorize a </a:t>
+              <a:t>a </a:t>
             </a:r>
             <a:r>
               <a:rPr lang="pt-BR" dirty="0" smtClean="0"/>
@@ -10594,8 +10362,8 @@
           </a:p>
           <a:p>
             <a:r>
-              <a:rPr lang="pt-BR" dirty="0"/>
-              <a:t>Adicione </a:t>
+              <a:rPr lang="pt-BR" smtClean="0"/>
+              <a:t>Adicionar </a:t>
             </a:r>
             <a:r>
               <a:rPr lang="pt-BR" dirty="0" smtClean="0"/>
@@ -10628,7 +10396,7 @@
 </p:sld>
 </file>
 
-<file path=ppt/slides/slide6.xml><?xml version="1.0" encoding="utf-8"?>
+<file path=ppt/slides/slide5.xml><?xml version="1.0" encoding="utf-8"?>
 <p:sld xmlns:a="http://schemas.openxmlformats.org/drawingml/2006/main" xmlns:r="http://schemas.openxmlformats.org/officeDocument/2006/relationships" xmlns:p="http://schemas.openxmlformats.org/presentationml/2006/main">
   <p:cSld>
     <p:spTree>
@@ -10695,11 +10463,7 @@
               <a:pPr algn="ctr"/>
               <a:r>
                 <a:rPr lang="pt-BR" sz="1400" dirty="0" smtClean="0"/>
-                <a:t>Princ</a:t>
-              </a:r>
-              <a:r>
-                <a:rPr lang="pt-BR" sz="1400" dirty="0" smtClean="0"/>
-                <a:t>ípios </a:t>
+                <a:t>Princípios </a:t>
               </a:r>
               <a:r>
                 <a:rPr lang="pt-BR" sz="1400" dirty="0" err="1" smtClean="0"/>
@@ -10787,11 +10551,7 @@
               <a:pPr algn="ctr"/>
               <a:r>
                 <a:rPr lang="pt-BR" sz="1400" dirty="0" smtClean="0"/>
-                <a:t>Pr</a:t>
-              </a:r>
-              <a:r>
-                <a:rPr lang="pt-BR" sz="1400" dirty="0" smtClean="0"/>
-                <a:t>áticas Ágeis</a:t>
+                <a:t>Práticas Ágeis</a:t>
               </a:r>
             </a:p>
           </p:txBody>
@@ -10925,7 +10685,7 @@
 </p:sld>
 </file>
 
-<file path=ppt/slides/slide7.xml><?xml version="1.0" encoding="utf-8"?>
+<file path=ppt/slides/slide6.xml><?xml version="1.0" encoding="utf-8"?>
 <p:sld xmlns:a="http://schemas.openxmlformats.org/drawingml/2006/main" xmlns:r="http://schemas.openxmlformats.org/officeDocument/2006/relationships" xmlns:p="http://schemas.openxmlformats.org/presentationml/2006/main">
   <p:cSld>
     <p:bg>
@@ -11519,7 +11279,7 @@
 </p:sld>
 </file>
 
-<file path=ppt/slides/slide8.xml><?xml version="1.0" encoding="utf-8"?>
+<file path=ppt/slides/slide7.xml><?xml version="1.0" encoding="utf-8"?>
 <p:sld xmlns:a="http://schemas.openxmlformats.org/drawingml/2006/main" xmlns:r="http://schemas.openxmlformats.org/officeDocument/2006/relationships" xmlns:p="http://schemas.openxmlformats.org/presentationml/2006/main">
   <p:cSld>
     <p:bg>
@@ -11625,6 +11385,130 @@
 </p:sld>
 </file>
 
+<file path=ppt/slides/slide8.xml><?xml version="1.0" encoding="utf-8"?>
+<p:sld xmlns:a="http://schemas.openxmlformats.org/drawingml/2006/main" xmlns:r="http://schemas.openxmlformats.org/officeDocument/2006/relationships" xmlns:p="http://schemas.openxmlformats.org/presentationml/2006/main">
+  <p:cSld>
+    <p:bg>
+      <p:bgRef idx="1001">
+        <a:schemeClr val="bg1"/>
+      </p:bgRef>
+    </p:bg>
+    <p:spTree>
+      <p:nvGrpSpPr>
+        <p:cNvPr id="1" name=""/>
+        <p:cNvGrpSpPr/>
+        <p:nvPr/>
+      </p:nvGrpSpPr>
+      <p:grpSpPr>
+        <a:xfrm>
+          <a:off x="0" y="0"/>
+          <a:ext cx="0" cy="0"/>
+          <a:chOff x="0" y="0"/>
+          <a:chExt cx="0" cy="0"/>
+        </a:xfrm>
+      </p:grpSpPr>
+      <p:sp>
+        <p:nvSpPr>
+          <p:cNvPr id="2" name="Title 1"/>
+          <p:cNvSpPr>
+            <a:spLocks noGrp="1"/>
+          </p:cNvSpPr>
+          <p:nvPr>
+            <p:ph type="title"/>
+          </p:nvPr>
+        </p:nvSpPr>
+        <p:spPr>
+          <a:xfrm>
+            <a:off x="457200" y="858838"/>
+            <a:ext cx="8229600" cy="1143000"/>
+          </a:xfrm>
+        </p:spPr>
+        <p:txBody>
+          <a:bodyPr/>
+          <a:lstStyle/>
+          <a:p>
+            <a:r>
+              <a:rPr lang="pt-BR" dirty="0"/>
+              <a:t>Test </a:t>
+            </a:r>
+            <a:r>
+              <a:rPr lang="pt-BR" dirty="0" err="1"/>
+              <a:t>Driven</a:t>
+            </a:r>
+            <a:r>
+              <a:rPr lang="pt-BR" dirty="0"/>
+              <a:t> </a:t>
+            </a:r>
+            <a:r>
+              <a:rPr lang="pt-BR" dirty="0" err="1"/>
+              <a:t>Development</a:t>
+            </a:r>
+            <a:endParaRPr lang="pt-BR" dirty="0"/>
+          </a:p>
+        </p:txBody>
+      </p:sp>
+      <p:sp>
+        <p:nvSpPr>
+          <p:cNvPr id="3" name="Content Placeholder 2"/>
+          <p:cNvSpPr>
+            <a:spLocks noGrp="1"/>
+          </p:cNvSpPr>
+          <p:nvPr>
+            <p:ph idx="1"/>
+          </p:nvPr>
+        </p:nvSpPr>
+        <p:spPr>
+          <a:xfrm>
+            <a:off x="457200" y="2235201"/>
+            <a:ext cx="8229600" cy="3530600"/>
+          </a:xfrm>
+        </p:spPr>
+        <p:txBody>
+          <a:bodyPr/>
+          <a:lstStyle/>
+          <a:p>
+            <a:r>
+              <a:rPr lang="pt-BR" dirty="0" smtClean="0"/>
+              <a:t>Evita a criação de código desnecessário.</a:t>
+            </a:r>
+          </a:p>
+          <a:p>
+            <a:r>
+              <a:rPr lang="pt-BR" dirty="0" smtClean="0"/>
+              <a:t>Aumenta o feedback do código para o desenvolvedor.</a:t>
+            </a:r>
+          </a:p>
+          <a:p>
+            <a:r>
+              <a:rPr lang="pt-BR" dirty="0" smtClean="0"/>
+              <a:t>Aumenta a segurança durante a manutenção do sistema.</a:t>
+            </a:r>
+          </a:p>
+          <a:p>
+            <a:endParaRPr lang="pt-BR" dirty="0"/>
+          </a:p>
+        </p:txBody>
+      </p:sp>
+    </p:spTree>
+    <p:extLst>
+      <p:ext uri="{BB962C8B-B14F-4D97-AF65-F5344CB8AC3E}">
+        <p14:creationId xmlns:p14="http://schemas.microsoft.com/office/powerpoint/2010/main" val="2657189154"/>
+      </p:ext>
+    </p:extLst>
+  </p:cSld>
+  <p:clrMapOvr>
+    <a:overrideClrMapping bg1="lt1" tx1="dk1" bg2="lt2" tx2="dk2" accent1="accent1" accent2="accent2" accent3="accent3" accent4="accent4" accent5="accent5" accent6="accent6" hlink="hlink" folHlink="folHlink"/>
+  </p:clrMapOvr>
+  <p:timing>
+    <p:tnLst>
+      <p:par>
+        <p:cTn xmlns:p14="http://schemas.microsoft.com/office/powerpoint/2010/main" id="1" dur="indefinite" restart="never" nodeType="tmRoot"/>
+      </p:par>
+    </p:tnLst>
+  </p:timing>
+</p:sld>
+</file>
+
 <file path=ppt/slides/slide9.xml><?xml version="1.0" encoding="utf-8"?>
 <p:sld xmlns:a="http://schemas.openxmlformats.org/drawingml/2006/main" xmlns:r="http://schemas.openxmlformats.org/officeDocument/2006/relationships" xmlns:p="http://schemas.openxmlformats.org/presentationml/2006/main">
   <p:cSld>
@@ -11659,7 +11543,7 @@
         </p:nvSpPr>
         <p:spPr>
           <a:xfrm>
-            <a:off x="457200" y="858838"/>
+            <a:off x="457200" y="541338"/>
             <a:ext cx="8229600" cy="1143000"/>
           </a:xfrm>
         </p:spPr>
@@ -11668,20 +11552,8 @@
           <a:lstStyle/>
           <a:p>
             <a:r>
-              <a:rPr lang="pt-BR" dirty="0"/>
-              <a:t>Test </a:t>
-            </a:r>
-            <a:r>
-              <a:rPr lang="pt-BR" dirty="0" err="1"/>
-              <a:t>Driven</a:t>
-            </a:r>
-            <a:r>
-              <a:rPr lang="pt-BR" dirty="0"/>
-              <a:t> </a:t>
-            </a:r>
-            <a:r>
-              <a:rPr lang="pt-BR" dirty="0" err="1"/>
-              <a:t>Development</a:t>
+              <a:rPr lang="pt-BR" dirty="0" smtClean="0"/>
+              <a:t>Estudo de caso</a:t>
             </a:r>
             <a:endParaRPr lang="pt-BR" dirty="0"/>
           </a:p>
@@ -11689,7 +11561,7 @@
       </p:sp>
       <p:sp>
         <p:nvSpPr>
-          <p:cNvPr id="3" name="Content Placeholder 2"/>
+          <p:cNvPr id="13" name="Content Placeholder 2"/>
           <p:cNvSpPr>
             <a:spLocks noGrp="1"/>
           </p:cNvSpPr>
@@ -11699,40 +11571,63 @@
         </p:nvSpPr>
         <p:spPr>
           <a:xfrm>
-            <a:off x="457200" y="2235201"/>
-            <a:ext cx="8229600" cy="3530600"/>
+            <a:off x="457200" y="3344906"/>
+            <a:ext cx="8229600" cy="3080833"/>
           </a:xfrm>
         </p:spPr>
         <p:txBody>
-          <a:bodyPr/>
+          <a:bodyPr>
+            <a:normAutofit fontScale="92500"/>
+          </a:bodyPr>
           <a:lstStyle/>
           <a:p>
             <a:r>
               <a:rPr lang="pt-BR" dirty="0" smtClean="0"/>
-              <a:t>Evita a criação de código desnecessário.</a:t>
+              <a:t>Sistema de Catálogo Digital para um Restaurante.</a:t>
             </a:r>
           </a:p>
           <a:p>
             <a:r>
               <a:rPr lang="pt-BR" dirty="0" smtClean="0"/>
-              <a:t>Aumenta o feedback do código para o desenvolvedor.</a:t>
+              <a:t>O usuário cadastra seus itens no sistema web e pode visualizá-los em seu dispositivo móvel, através do sistema mobile.</a:t>
             </a:r>
           </a:p>
           <a:p>
             <a:r>
               <a:rPr lang="pt-BR" dirty="0" smtClean="0"/>
-              <a:t>Aumenta a segurança durante a manutenção do sistema.</a:t>
-            </a:r>
-          </a:p>
-          <a:p>
-            <a:endParaRPr lang="pt-BR" dirty="0"/>
-          </a:p>
-        </p:txBody>
-      </p:sp>
+              <a:t>Ambos os sistemas foram desenvolvidos utilizando TDD.</a:t>
+            </a:r>
+          </a:p>
+        </p:txBody>
+      </p:sp>
+      <p:pic>
+        <p:nvPicPr>
+          <p:cNvPr id="9" name="Picture 8"/>
+          <p:cNvPicPr>
+            <a:picLocks noChangeAspect="1"/>
+          </p:cNvPicPr>
+          <p:nvPr/>
+        </p:nvPicPr>
+        <p:blipFill>
+          <a:blip r:embed="rId3"/>
+          <a:stretch>
+            <a:fillRect/>
+          </a:stretch>
+        </p:blipFill>
+        <p:spPr>
+          <a:xfrm>
+            <a:off x="1136162" y="1589128"/>
+            <a:ext cx="6778165" cy="1529432"/>
+          </a:xfrm>
+          <a:prstGeom prst="rect">
+            <a:avLst/>
+          </a:prstGeom>
+        </p:spPr>
+      </p:pic>
     </p:spTree>
     <p:extLst>
       <p:ext uri="{BB962C8B-B14F-4D97-AF65-F5344CB8AC3E}">
-        <p14:creationId xmlns:p14="http://schemas.microsoft.com/office/powerpoint/2010/main" val="2657189154"/>
+        <p14:creationId xmlns:p14="http://schemas.microsoft.com/office/powerpoint/2010/main" val="110444247"/>
       </p:ext>
     </p:extLst>
   </p:cSld>
@@ -13237,49 +13132,6 @@
 </a:themeOverride>
 </file>
 
-<file path=ppt/theme/themeOverride22.xml><?xml version="1.0" encoding="utf-8"?>
-<a:themeOverride xmlns:a="http://schemas.openxmlformats.org/drawingml/2006/main">
-  <a:clrScheme name="Escritório">
-    <a:dk1>
-      <a:sysClr val="windowText" lastClr="000000"/>
-    </a:dk1>
-    <a:lt1>
-      <a:sysClr val="window" lastClr="FFFFFF"/>
-    </a:lt1>
-    <a:dk2>
-      <a:srgbClr val="1F497D"/>
-    </a:dk2>
-    <a:lt2>
-      <a:srgbClr val="EEECE1"/>
-    </a:lt2>
-    <a:accent1>
-      <a:srgbClr val="4F81BD"/>
-    </a:accent1>
-    <a:accent2>
-      <a:srgbClr val="C0504D"/>
-    </a:accent2>
-    <a:accent3>
-      <a:srgbClr val="9BBB59"/>
-    </a:accent3>
-    <a:accent4>
-      <a:srgbClr val="8064A2"/>
-    </a:accent4>
-    <a:accent5>
-      <a:srgbClr val="4BACC6"/>
-    </a:accent5>
-    <a:accent6>
-      <a:srgbClr val="F79646"/>
-    </a:accent6>
-    <a:hlink>
-      <a:srgbClr val="0000FF"/>
-    </a:hlink>
-    <a:folHlink>
-      <a:srgbClr val="800080"/>
-    </a:folHlink>
-  </a:clrScheme>
-</a:themeOverride>
-</file>
-
 <file path=ppt/theme/themeOverride3.xml><?xml version="1.0" encoding="utf-8"?>
 <a:themeOverride xmlns:a="http://schemas.openxmlformats.org/drawingml/2006/main">
   <a:clrScheme name="Escritório">

--- a/Final/apresentacao tcc.pptx
+++ b/Final/apresentacao tcc.pptx
@@ -25,8 +25,8 @@
     <p:sldId id="269" r:id="rId16"/>
     <p:sldId id="264" r:id="rId17"/>
     <p:sldId id="271" r:id="rId18"/>
-    <p:sldId id="272" r:id="rId19"/>
-    <p:sldId id="279" r:id="rId20"/>
+    <p:sldId id="279" r:id="rId19"/>
+    <p:sldId id="272" r:id="rId20"/>
     <p:sldId id="273" r:id="rId21"/>
     <p:sldId id="274" r:id="rId22"/>
     <p:sldId id="275" r:id="rId23"/>
@@ -215,7 +215,7 @@
             <a:fld id="{2F3EB17E-BC53-FC49-AF5F-F9A8A64D0B14}" type="datetimeFigureOut">
               <a:rPr lang="en-US" smtClean="0"/>
               <a:pPr/>
-              <a:t>12/4/11</a:t>
+              <a:t>12/8/11</a:t>
             </a:fld>
             <a:endParaRPr lang="pt-BR"/>
           </a:p>
@@ -1399,7 +1399,7 @@
             <a:fld id="{13F8C747-ED51-444E-8469-A24B0E223A0E}" type="datetimeFigureOut">
               <a:rPr lang="en-US" smtClean="0"/>
               <a:pPr/>
-              <a:t>12/4/11</a:t>
+              <a:t>12/8/11</a:t>
             </a:fld>
             <a:endParaRPr lang="pt-BR"/>
           </a:p>
@@ -1578,7 +1578,7 @@
             <a:fld id="{13F8C747-ED51-444E-8469-A24B0E223A0E}" type="datetimeFigureOut">
               <a:rPr lang="en-US" smtClean="0"/>
               <a:pPr/>
-              <a:t>12/4/11</a:t>
+              <a:t>12/8/11</a:t>
             </a:fld>
             <a:endParaRPr lang="pt-BR"/>
           </a:p>
@@ -1767,7 +1767,7 @@
             <a:fld id="{13F8C747-ED51-444E-8469-A24B0E223A0E}" type="datetimeFigureOut">
               <a:rPr lang="en-US" smtClean="0"/>
               <a:pPr/>
-              <a:t>12/4/11</a:t>
+              <a:t>12/8/11</a:t>
             </a:fld>
             <a:endParaRPr lang="pt-BR"/>
           </a:p>
@@ -2056,7 +2056,7 @@
             <a:fld id="{13F8C747-ED51-444E-8469-A24B0E223A0E}" type="datetimeFigureOut">
               <a:rPr lang="en-US" smtClean="0"/>
               <a:pPr/>
-              <a:t>12/4/11</a:t>
+              <a:t>12/8/11</a:t>
             </a:fld>
             <a:endParaRPr lang="pt-BR"/>
           </a:p>
@@ -2235,7 +2235,7 @@
             <a:fld id="{13F8C747-ED51-444E-8469-A24B0E223A0E}" type="datetimeFigureOut">
               <a:rPr lang="en-US" smtClean="0"/>
               <a:pPr/>
-              <a:t>12/4/11</a:t>
+              <a:t>12/8/11</a:t>
             </a:fld>
             <a:endParaRPr lang="pt-BR"/>
           </a:p>
@@ -2490,7 +2490,7 @@
             <a:fld id="{13F8C747-ED51-444E-8469-A24B0E223A0E}" type="datetimeFigureOut">
               <a:rPr lang="en-US" smtClean="0"/>
               <a:pPr/>
-              <a:t>12/4/11</a:t>
+              <a:t>12/8/11</a:t>
             </a:fld>
             <a:endParaRPr lang="pt-BR"/>
           </a:p>
@@ -2787,7 +2787,7 @@
             <a:fld id="{13F8C747-ED51-444E-8469-A24B0E223A0E}" type="datetimeFigureOut">
               <a:rPr lang="en-US" smtClean="0"/>
               <a:pPr/>
-              <a:t>12/4/11</a:t>
+              <a:t>12/8/11</a:t>
             </a:fld>
             <a:endParaRPr lang="pt-BR"/>
           </a:p>
@@ -3218,7 +3218,7 @@
             <a:fld id="{13F8C747-ED51-444E-8469-A24B0E223A0E}" type="datetimeFigureOut">
               <a:rPr lang="en-US" smtClean="0"/>
               <a:pPr/>
-              <a:t>12/4/11</a:t>
+              <a:t>12/8/11</a:t>
             </a:fld>
             <a:endParaRPr lang="pt-BR"/>
           </a:p>
@@ -3345,7 +3345,7 @@
             <a:fld id="{13F8C747-ED51-444E-8469-A24B0E223A0E}" type="datetimeFigureOut">
               <a:rPr lang="en-US" smtClean="0"/>
               <a:pPr/>
-              <a:t>12/4/11</a:t>
+              <a:t>12/8/11</a:t>
             </a:fld>
             <a:endParaRPr lang="pt-BR"/>
           </a:p>
@@ -3449,7 +3449,7 @@
             <a:fld id="{13F8C747-ED51-444E-8469-A24B0E223A0E}" type="datetimeFigureOut">
               <a:rPr lang="en-US" smtClean="0"/>
               <a:pPr/>
-              <a:t>12/4/11</a:t>
+              <a:t>12/8/11</a:t>
             </a:fld>
             <a:endParaRPr lang="pt-BR"/>
           </a:p>
@@ -3735,7 +3735,7 @@
             <a:fld id="{13F8C747-ED51-444E-8469-A24B0E223A0E}" type="datetimeFigureOut">
               <a:rPr lang="en-US" smtClean="0"/>
               <a:pPr/>
-              <a:t>12/4/11</a:t>
+              <a:t>12/8/11</a:t>
             </a:fld>
             <a:endParaRPr lang="pt-BR"/>
           </a:p>
@@ -3914,7 +3914,7 @@
             <a:fld id="{13F8C747-ED51-444E-8469-A24B0E223A0E}" type="datetimeFigureOut">
               <a:rPr lang="en-US" smtClean="0"/>
               <a:pPr/>
-              <a:t>12/4/11</a:t>
+              <a:t>12/8/11</a:t>
             </a:fld>
             <a:endParaRPr lang="pt-BR"/>
           </a:p>
@@ -4182,7 +4182,7 @@
             <a:fld id="{13F8C747-ED51-444E-8469-A24B0E223A0E}" type="datetimeFigureOut">
               <a:rPr lang="en-US" smtClean="0"/>
               <a:pPr/>
-              <a:t>12/4/11</a:t>
+              <a:t>12/8/11</a:t>
             </a:fld>
             <a:endParaRPr lang="pt-BR"/>
           </a:p>
@@ -4361,7 +4361,7 @@
             <a:fld id="{13F8C747-ED51-444E-8469-A24B0E223A0E}" type="datetimeFigureOut">
               <a:rPr lang="en-US" smtClean="0"/>
               <a:pPr/>
-              <a:t>12/4/11</a:t>
+              <a:t>12/8/11</a:t>
             </a:fld>
             <a:endParaRPr lang="pt-BR"/>
           </a:p>
@@ -4550,7 +4550,7 @@
             <a:fld id="{13F8C747-ED51-444E-8469-A24B0E223A0E}" type="datetimeFigureOut">
               <a:rPr lang="en-US" smtClean="0"/>
               <a:pPr/>
-              <a:t>12/4/11</a:t>
+              <a:t>12/8/11</a:t>
             </a:fld>
             <a:endParaRPr lang="pt-BR"/>
           </a:p>
@@ -4805,7 +4805,7 @@
             <a:fld id="{13F8C747-ED51-444E-8469-A24B0E223A0E}" type="datetimeFigureOut">
               <a:rPr lang="en-US" smtClean="0"/>
               <a:pPr/>
-              <a:t>12/4/11</a:t>
+              <a:t>12/8/11</a:t>
             </a:fld>
             <a:endParaRPr lang="pt-BR"/>
           </a:p>
@@ -5102,7 +5102,7 @@
             <a:fld id="{13F8C747-ED51-444E-8469-A24B0E223A0E}" type="datetimeFigureOut">
               <a:rPr lang="en-US" smtClean="0"/>
               <a:pPr/>
-              <a:t>12/4/11</a:t>
+              <a:t>12/8/11</a:t>
             </a:fld>
             <a:endParaRPr lang="pt-BR"/>
           </a:p>
@@ -5533,7 +5533,7 @@
             <a:fld id="{13F8C747-ED51-444E-8469-A24B0E223A0E}" type="datetimeFigureOut">
               <a:rPr lang="en-US" smtClean="0"/>
               <a:pPr/>
-              <a:t>12/4/11</a:t>
+              <a:t>12/8/11</a:t>
             </a:fld>
             <a:endParaRPr lang="pt-BR"/>
           </a:p>
@@ -5660,7 +5660,7 @@
             <a:fld id="{13F8C747-ED51-444E-8469-A24B0E223A0E}" type="datetimeFigureOut">
               <a:rPr lang="en-US" smtClean="0"/>
               <a:pPr/>
-              <a:t>12/4/11</a:t>
+              <a:t>12/8/11</a:t>
             </a:fld>
             <a:endParaRPr lang="pt-BR"/>
           </a:p>
@@ -5764,7 +5764,7 @@
             <a:fld id="{13F8C747-ED51-444E-8469-A24B0E223A0E}" type="datetimeFigureOut">
               <a:rPr lang="en-US" smtClean="0"/>
               <a:pPr/>
-              <a:t>12/4/11</a:t>
+              <a:t>12/8/11</a:t>
             </a:fld>
             <a:endParaRPr lang="pt-BR"/>
           </a:p>
@@ -6050,7 +6050,7 @@
             <a:fld id="{13F8C747-ED51-444E-8469-A24B0E223A0E}" type="datetimeFigureOut">
               <a:rPr lang="en-US" smtClean="0"/>
               <a:pPr/>
-              <a:t>12/4/11</a:t>
+              <a:t>12/8/11</a:t>
             </a:fld>
             <a:endParaRPr lang="pt-BR"/>
           </a:p>
@@ -6318,7 +6318,7 @@
             <a:fld id="{13F8C747-ED51-444E-8469-A24B0E223A0E}" type="datetimeFigureOut">
               <a:rPr lang="en-US" smtClean="0"/>
               <a:pPr/>
-              <a:t>12/4/11</a:t>
+              <a:t>12/8/11</a:t>
             </a:fld>
             <a:endParaRPr lang="pt-BR"/>
           </a:p>
@@ -6592,7 +6592,7 @@
             <a:fld id="{13F8C747-ED51-444E-8469-A24B0E223A0E}" type="datetimeFigureOut">
               <a:rPr lang="en-US" smtClean="0"/>
               <a:pPr/>
-              <a:t>12/4/11</a:t>
+              <a:t>12/8/11</a:t>
             </a:fld>
             <a:endParaRPr lang="pt-BR"/>
           </a:p>
@@ -7298,7 +7298,7 @@
             <a:fld id="{13F8C747-ED51-444E-8469-A24B0E223A0E}" type="datetimeFigureOut">
               <a:rPr lang="en-US" smtClean="0"/>
               <a:pPr/>
-              <a:t>12/4/11</a:t>
+              <a:t>12/8/11</a:t>
             </a:fld>
             <a:endParaRPr lang="pt-BR"/>
           </a:p>
@@ -7847,6 +7847,94 @@
           </a:p>
         </p:txBody>
       </p:sp>
+      <p:sp>
+        <p:nvSpPr>
+          <p:cNvPr id="3" name="TextBox 2"/>
+          <p:cNvSpPr txBox="1"/>
+          <p:nvPr/>
+        </p:nvSpPr>
+        <p:spPr>
+          <a:xfrm>
+            <a:off x="268447" y="5320187"/>
+            <a:ext cx="2863597" cy="523220"/>
+          </a:xfrm>
+          <a:prstGeom prst="rect">
+            <a:avLst/>
+          </a:prstGeom>
+          <a:noFill/>
+        </p:spPr>
+        <p:txBody>
+          <a:bodyPr wrap="none" rtlCol="0">
+            <a:spAutoFit/>
+          </a:bodyPr>
+          <a:lstStyle/>
+          <a:p>
+            <a:r>
+              <a:rPr lang="pt-BR" sz="1400" dirty="0" smtClean="0">
+                <a:solidFill>
+                  <a:schemeClr val="bg1"/>
+                </a:solidFill>
+              </a:rPr>
+              <a:t>Aluno: Jo</a:t>
+            </a:r>
+            <a:r>
+              <a:rPr lang="pt-BR" sz="1400" dirty="0" smtClean="0">
+                <a:solidFill>
+                  <a:schemeClr val="bg1"/>
+                </a:solidFill>
+              </a:rPr>
+              <a:t>ão Paulo Gomes dos Santos</a:t>
+            </a:r>
+          </a:p>
+          <a:p>
+            <a:r>
+              <a:rPr lang="pt-BR" sz="1400" dirty="0" smtClean="0">
+                <a:solidFill>
+                  <a:schemeClr val="bg1"/>
+                </a:solidFill>
+              </a:rPr>
+              <a:t>Orientador: </a:t>
+            </a:r>
+            <a:r>
+              <a:rPr lang="pt-BR" sz="1400" dirty="0" err="1" smtClean="0">
+                <a:solidFill>
+                  <a:schemeClr val="bg1"/>
+                </a:solidFill>
+              </a:rPr>
+              <a:t>Edizon</a:t>
+            </a:r>
+            <a:r>
+              <a:rPr lang="pt-BR" sz="1400" dirty="0" smtClean="0">
+                <a:solidFill>
+                  <a:schemeClr val="bg1"/>
+                </a:solidFill>
+              </a:rPr>
+              <a:t> </a:t>
+            </a:r>
+            <a:r>
+              <a:rPr lang="pt-BR" sz="1400" dirty="0" err="1" smtClean="0">
+                <a:solidFill>
+                  <a:schemeClr val="bg1"/>
+                </a:solidFill>
+              </a:rPr>
+              <a:t>Basseto</a:t>
+            </a:r>
+            <a:r>
+              <a:rPr lang="pt-BR" sz="1400" dirty="0" smtClean="0">
+                <a:solidFill>
+                  <a:schemeClr val="bg1"/>
+                </a:solidFill>
+              </a:rPr>
+              <a:t> Júnior</a:t>
+            </a:r>
+            <a:endParaRPr lang="pt-BR" sz="1400" dirty="0">
+              <a:solidFill>
+                <a:schemeClr val="bg1"/>
+              </a:solidFill>
+            </a:endParaRPr>
+          </a:p>
+        </p:txBody>
+      </p:sp>
     </p:spTree>
     <p:extLst>
       <p:ext uri="{BB962C8B-B14F-4D97-AF65-F5344CB8AC3E}">
@@ -8871,7 +8959,7 @@
         </p:nvSpPr>
         <p:spPr>
           <a:xfrm>
-            <a:off x="457200" y="846138"/>
+            <a:off x="457200" y="681038"/>
             <a:ext cx="8229600" cy="1143000"/>
           </a:xfrm>
         </p:spPr>
@@ -8881,7 +8969,7 @@
           <a:p>
             <a:r>
               <a:rPr lang="pt-BR" dirty="0" smtClean="0"/>
-              <a:t>Exemplo de código de teste</a:t>
+              <a:t>Tela de Configuração</a:t>
             </a:r>
             <a:endParaRPr lang="pt-BR" dirty="0"/>
           </a:p>
@@ -8903,8 +8991,8 @@
         </p:blipFill>
         <p:spPr>
           <a:xfrm>
-            <a:off x="1643743" y="2141538"/>
-            <a:ext cx="5747657" cy="3920587"/>
+            <a:off x="1820951" y="2040069"/>
+            <a:ext cx="5519649" cy="4083642"/>
           </a:xfrm>
           <a:prstGeom prst="rect">
             <a:avLst/>
@@ -8914,7 +9002,7 @@
     </p:spTree>
     <p:extLst>
       <p:ext uri="{BB962C8B-B14F-4D97-AF65-F5344CB8AC3E}">
-        <p14:creationId xmlns:p14="http://schemas.microsoft.com/office/powerpoint/2010/main" val="2130068562"/>
+        <p14:creationId xmlns:p14="http://schemas.microsoft.com/office/powerpoint/2010/main" val="2573498638"/>
       </p:ext>
     </p:extLst>
   </p:cSld>
@@ -8965,7 +9053,7 @@
         </p:nvSpPr>
         <p:spPr>
           <a:xfrm>
-            <a:off x="457200" y="681038"/>
+            <a:off x="457200" y="846138"/>
             <a:ext cx="8229600" cy="1143000"/>
           </a:xfrm>
         </p:spPr>
@@ -8975,7 +9063,7 @@
           <a:p>
             <a:r>
               <a:rPr lang="pt-BR" dirty="0" smtClean="0"/>
-              <a:t>Tela de Configuração</a:t>
+              <a:t>Exemplo de código de teste</a:t>
             </a:r>
             <a:endParaRPr lang="pt-BR" dirty="0"/>
           </a:p>
@@ -8997,8 +9085,8 @@
         </p:blipFill>
         <p:spPr>
           <a:xfrm>
-            <a:off x="1820951" y="2040069"/>
-            <a:ext cx="5519649" cy="4083642"/>
+            <a:off x="1643743" y="2141538"/>
+            <a:ext cx="5747657" cy="3920587"/>
           </a:xfrm>
           <a:prstGeom prst="rect">
             <a:avLst/>
@@ -9008,7 +9096,7 @@
     </p:spTree>
     <p:extLst>
       <p:ext uri="{BB962C8B-B14F-4D97-AF65-F5344CB8AC3E}">
-        <p14:creationId xmlns:p14="http://schemas.microsoft.com/office/powerpoint/2010/main" val="2573498638"/>
+        <p14:creationId xmlns:p14="http://schemas.microsoft.com/office/powerpoint/2010/main" val="2130068562"/>
       </p:ext>
     </p:extLst>
   </p:cSld>
